--- a/RaciocinioAlgoritmico/Tópico 07 - Arrays - Matrizes/Tópico 07 - Arrays - Matrizes.pptx
+++ b/RaciocinioAlgoritmico/Tópico 07 - Arrays - Matrizes/Tópico 07 - Arrays - Matrizes.pptx
@@ -74,19 +74,16 @@
             <a:noAutofit/>
           </a:bodyPr>
           <a:p>
+            <a:pPr algn="ctr">
+              <a:buNone/>
+            </a:pPr>
             <a:r>
-              <a:rPr b="0" lang="pt-BR" sz="1800" spc="-1" strike="noStrike">
-                <a:solidFill>
-                  <a:srgbClr val="000000"/>
-                </a:solidFill>
+              <a:rPr b="0" lang="pt-BR" sz="4400" spc="-1" strike="noStrike">
                 <a:latin typeface="Arial"/>
               </a:rPr>
               <a:t>Click to move the slide</a:t>
             </a:r>
-            <a:endParaRPr b="0" lang="pt-BR" sz="1800" spc="-1" strike="noStrike">
-              <a:solidFill>
-                <a:srgbClr val="000000"/>
-              </a:solidFill>
+            <a:endParaRPr b="0" lang="pt-BR" sz="4400" spc="-1" strike="noStrike">
               <a:latin typeface="Arial"/>
             </a:endParaRPr>
           </a:p>
@@ -309,7 +306,7 @@
             <a:pPr algn="r">
               <a:buNone/>
             </a:pPr>
-            <a:fld id="{1DCFA3A3-8CD1-4A3F-903B-11B23DF3A76B}" type="slidenum">
+            <a:fld id="{D2581F44-15A5-4A01-9E8E-AC1A900AF041}" type="slidenum">
               <a:rPr b="0" lang="pt-BR" sz="1400" spc="-1" strike="noStrike">
                 <a:latin typeface="Times New Roman"/>
               </a:rPr>
@@ -357,7 +354,7 @@
         <p:spPr>
           <a:xfrm>
             <a:off x="1498680" y="1200240"/>
-            <a:ext cx="4311360" cy="3233520"/>
+            <a:ext cx="4311000" cy="3233160"/>
           </a:xfrm>
           <a:prstGeom prst="rect">
             <a:avLst/>
@@ -380,7 +377,7 @@
         <p:spPr>
           <a:xfrm>
             <a:off x="731520" y="4620240"/>
-            <a:ext cx="5844240" cy="3773160"/>
+            <a:ext cx="5843880" cy="3772800"/>
           </a:xfrm>
           <a:prstGeom prst="rect">
             <a:avLst/>
@@ -410,7 +407,7 @@
         <p:spPr>
           <a:xfrm>
             <a:off x="0" y="9119520"/>
-            <a:ext cx="3162240" cy="474480"/>
+            <a:ext cx="3161880" cy="474120"/>
           </a:xfrm>
           <a:prstGeom prst="rect">
             <a:avLst/>
@@ -488,7 +485,7 @@
         <p:spPr>
           <a:xfrm>
             <a:off x="1498680" y="1200240"/>
-            <a:ext cx="4311360" cy="3233520"/>
+            <a:ext cx="4311000" cy="3233160"/>
           </a:xfrm>
           <a:prstGeom prst="rect">
             <a:avLst/>
@@ -511,7 +508,7 @@
         <p:spPr>
           <a:xfrm>
             <a:off x="731520" y="4620240"/>
-            <a:ext cx="5844240" cy="3773160"/>
+            <a:ext cx="5843880" cy="3772800"/>
           </a:xfrm>
           <a:prstGeom prst="rect">
             <a:avLst/>
@@ -541,7 +538,7 @@
         <p:spPr>
           <a:xfrm>
             <a:off x="0" y="9119520"/>
-            <a:ext cx="3162240" cy="474480"/>
+            <a:ext cx="3161880" cy="474120"/>
           </a:xfrm>
           <a:prstGeom prst="rect">
             <a:avLst/>
@@ -619,7 +616,7 @@
         <p:spPr>
           <a:xfrm>
             <a:off x="1498680" y="1200240"/>
-            <a:ext cx="4311360" cy="3233520"/>
+            <a:ext cx="4311000" cy="3233160"/>
           </a:xfrm>
           <a:prstGeom prst="rect">
             <a:avLst/>
@@ -642,7 +639,7 @@
         <p:spPr>
           <a:xfrm>
             <a:off x="731520" y="4620240"/>
-            <a:ext cx="5844240" cy="3773160"/>
+            <a:ext cx="5843880" cy="3772800"/>
           </a:xfrm>
           <a:prstGeom prst="rect">
             <a:avLst/>
@@ -672,7 +669,7 @@
         <p:spPr>
           <a:xfrm>
             <a:off x="0" y="9119520"/>
-            <a:ext cx="3162240" cy="474480"/>
+            <a:ext cx="3161880" cy="474120"/>
           </a:xfrm>
           <a:prstGeom prst="rect">
             <a:avLst/>
@@ -750,7 +747,7 @@
         <p:spPr>
           <a:xfrm>
             <a:off x="1498680" y="1200240"/>
-            <a:ext cx="4311360" cy="3233520"/>
+            <a:ext cx="4311000" cy="3233160"/>
           </a:xfrm>
           <a:prstGeom prst="rect">
             <a:avLst/>
@@ -773,7 +770,7 @@
         <p:spPr>
           <a:xfrm>
             <a:off x="731520" y="4620240"/>
-            <a:ext cx="5844240" cy="3773160"/>
+            <a:ext cx="5843880" cy="3772800"/>
           </a:xfrm>
           <a:prstGeom prst="rect">
             <a:avLst/>
@@ -803,7 +800,7 @@
         <p:spPr>
           <a:xfrm>
             <a:off x="0" y="9119520"/>
-            <a:ext cx="3162240" cy="474480"/>
+            <a:ext cx="3161880" cy="474120"/>
           </a:xfrm>
           <a:prstGeom prst="rect">
             <a:avLst/>
@@ -881,7 +878,7 @@
         <p:spPr>
           <a:xfrm>
             <a:off x="1498680" y="1200240"/>
-            <a:ext cx="4311360" cy="3233520"/>
+            <a:ext cx="4311000" cy="3233160"/>
           </a:xfrm>
           <a:prstGeom prst="rect">
             <a:avLst/>
@@ -904,7 +901,7 @@
         <p:spPr>
           <a:xfrm>
             <a:off x="731520" y="4620240"/>
-            <a:ext cx="5844240" cy="3773160"/>
+            <a:ext cx="5843880" cy="3772800"/>
           </a:xfrm>
           <a:prstGeom prst="rect">
             <a:avLst/>
@@ -934,7 +931,7 @@
         <p:spPr>
           <a:xfrm>
             <a:off x="0" y="9119520"/>
-            <a:ext cx="3162240" cy="474480"/>
+            <a:ext cx="3161880" cy="474120"/>
           </a:xfrm>
           <a:prstGeom prst="rect">
             <a:avLst/>
@@ -1012,7 +1009,7 @@
         <p:spPr>
           <a:xfrm>
             <a:off x="1498680" y="1200240"/>
-            <a:ext cx="4311360" cy="3233520"/>
+            <a:ext cx="4311000" cy="3233160"/>
           </a:xfrm>
           <a:prstGeom prst="rect">
             <a:avLst/>
@@ -1035,7 +1032,7 @@
         <p:spPr>
           <a:xfrm>
             <a:off x="731520" y="4620240"/>
-            <a:ext cx="5843880" cy="3772800"/>
+            <a:ext cx="5843520" cy="3772440"/>
           </a:xfrm>
           <a:prstGeom prst="rect">
             <a:avLst/>
@@ -1065,7 +1062,7 @@
         <p:spPr>
           <a:xfrm>
             <a:off x="0" y="9119520"/>
-            <a:ext cx="3161880" cy="474120"/>
+            <a:ext cx="3161520" cy="473760"/>
           </a:xfrm>
           <a:prstGeom prst="rect">
             <a:avLst/>
@@ -1143,7 +1140,7 @@
         <p:spPr>
           <a:xfrm>
             <a:off x="1498680" y="1200240"/>
-            <a:ext cx="4311360" cy="3233520"/>
+            <a:ext cx="4311000" cy="3233160"/>
           </a:xfrm>
           <a:prstGeom prst="rect">
             <a:avLst/>
@@ -1166,7 +1163,7 @@
         <p:spPr>
           <a:xfrm>
             <a:off x="731520" y="4620240"/>
-            <a:ext cx="5844240" cy="3773160"/>
+            <a:ext cx="5843880" cy="3772800"/>
           </a:xfrm>
           <a:prstGeom prst="rect">
             <a:avLst/>
@@ -1196,7 +1193,7 @@
         <p:spPr>
           <a:xfrm>
             <a:off x="0" y="9119520"/>
-            <a:ext cx="3162240" cy="474480"/>
+            <a:ext cx="3161880" cy="474120"/>
           </a:xfrm>
           <a:prstGeom prst="rect">
             <a:avLst/>
@@ -1274,7 +1271,7 @@
         <p:spPr>
           <a:xfrm>
             <a:off x="1498680" y="1200240"/>
-            <a:ext cx="4311360" cy="3233520"/>
+            <a:ext cx="4311000" cy="3233160"/>
           </a:xfrm>
           <a:prstGeom prst="rect">
             <a:avLst/>
@@ -1297,7 +1294,7 @@
         <p:spPr>
           <a:xfrm>
             <a:off x="731520" y="4620240"/>
-            <a:ext cx="5844240" cy="3773160"/>
+            <a:ext cx="5843880" cy="3772800"/>
           </a:xfrm>
           <a:prstGeom prst="rect">
             <a:avLst/>
@@ -1327,7 +1324,7 @@
         <p:spPr>
           <a:xfrm>
             <a:off x="0" y="9119520"/>
-            <a:ext cx="3162240" cy="474480"/>
+            <a:ext cx="3161880" cy="474120"/>
           </a:xfrm>
           <a:prstGeom prst="rect">
             <a:avLst/>
@@ -1405,7 +1402,7 @@
         <p:spPr>
           <a:xfrm>
             <a:off x="1498680" y="1200240"/>
-            <a:ext cx="4311360" cy="3233520"/>
+            <a:ext cx="4311000" cy="3233160"/>
           </a:xfrm>
           <a:prstGeom prst="rect">
             <a:avLst/>
@@ -1428,7 +1425,7 @@
         <p:spPr>
           <a:xfrm>
             <a:off x="731520" y="4620240"/>
-            <a:ext cx="5844240" cy="3773160"/>
+            <a:ext cx="5843880" cy="3772800"/>
           </a:xfrm>
           <a:prstGeom prst="rect">
             <a:avLst/>
@@ -1458,7 +1455,7 @@
         <p:spPr>
           <a:xfrm>
             <a:off x="0" y="9119520"/>
-            <a:ext cx="3162240" cy="474480"/>
+            <a:ext cx="3161880" cy="474120"/>
           </a:xfrm>
           <a:prstGeom prst="rect">
             <a:avLst/>
@@ -1536,7 +1533,7 @@
         <p:spPr>
           <a:xfrm>
             <a:off x="1498680" y="1200240"/>
-            <a:ext cx="4311360" cy="3233520"/>
+            <a:ext cx="4311000" cy="3233160"/>
           </a:xfrm>
           <a:prstGeom prst="rect">
             <a:avLst/>
@@ -1559,7 +1556,7 @@
         <p:spPr>
           <a:xfrm>
             <a:off x="731520" y="4620240"/>
-            <a:ext cx="5844240" cy="3773160"/>
+            <a:ext cx="5843880" cy="3772800"/>
           </a:xfrm>
           <a:prstGeom prst="rect">
             <a:avLst/>
@@ -1589,7 +1586,7 @@
         <p:spPr>
           <a:xfrm>
             <a:off x="0" y="9119520"/>
-            <a:ext cx="3162240" cy="474480"/>
+            <a:ext cx="3161880" cy="474120"/>
           </a:xfrm>
           <a:prstGeom prst="rect">
             <a:avLst/>
@@ -1667,7 +1664,7 @@
         <p:spPr>
           <a:xfrm>
             <a:off x="1498680" y="1200240"/>
-            <a:ext cx="4311360" cy="3233520"/>
+            <a:ext cx="4311000" cy="3233160"/>
           </a:xfrm>
           <a:prstGeom prst="rect">
             <a:avLst/>
@@ -1690,7 +1687,7 @@
         <p:spPr>
           <a:xfrm>
             <a:off x="731520" y="4620240"/>
-            <a:ext cx="5844240" cy="3773160"/>
+            <a:ext cx="5843880" cy="3772800"/>
           </a:xfrm>
           <a:prstGeom prst="rect">
             <a:avLst/>
@@ -1720,7 +1717,7 @@
         <p:spPr>
           <a:xfrm>
             <a:off x="0" y="9119520"/>
-            <a:ext cx="3162240" cy="474480"/>
+            <a:ext cx="3161880" cy="474120"/>
           </a:xfrm>
           <a:prstGeom prst="rect">
             <a:avLst/>
@@ -1798,7 +1795,7 @@
         <p:spPr>
           <a:xfrm>
             <a:off x="1498680" y="1200240"/>
-            <a:ext cx="4311360" cy="3233520"/>
+            <a:ext cx="4311000" cy="3233160"/>
           </a:xfrm>
           <a:prstGeom prst="rect">
             <a:avLst/>
@@ -1821,7 +1818,7 @@
         <p:spPr>
           <a:xfrm>
             <a:off x="731520" y="4620240"/>
-            <a:ext cx="5844240" cy="3773160"/>
+            <a:ext cx="5843880" cy="3772800"/>
           </a:xfrm>
           <a:prstGeom prst="rect">
             <a:avLst/>
@@ -1851,7 +1848,7 @@
         <p:spPr>
           <a:xfrm>
             <a:off x="0" y="9119520"/>
-            <a:ext cx="3162240" cy="474480"/>
+            <a:ext cx="3161880" cy="474120"/>
           </a:xfrm>
           <a:prstGeom prst="rect">
             <a:avLst/>
@@ -1929,7 +1926,7 @@
         <p:spPr>
           <a:xfrm>
             <a:off x="1498680" y="1200240"/>
-            <a:ext cx="4311360" cy="3233520"/>
+            <a:ext cx="4311000" cy="3233160"/>
           </a:xfrm>
           <a:prstGeom prst="rect">
             <a:avLst/>
@@ -1952,7 +1949,7 @@
         <p:spPr>
           <a:xfrm>
             <a:off x="731520" y="4620240"/>
-            <a:ext cx="5844240" cy="3773160"/>
+            <a:ext cx="5843880" cy="3772800"/>
           </a:xfrm>
           <a:prstGeom prst="rect">
             <a:avLst/>
@@ -1982,7 +1979,7 @@
         <p:spPr>
           <a:xfrm>
             <a:off x="0" y="9119520"/>
-            <a:ext cx="3162240" cy="474480"/>
+            <a:ext cx="3161880" cy="474120"/>
           </a:xfrm>
           <a:prstGeom prst="rect">
             <a:avLst/>
@@ -2097,10 +2094,10 @@
             <a:noAutofit/>
           </a:bodyPr>
           <a:p>
-            <a:endParaRPr b="0" lang="pt-BR" sz="1800" spc="-1" strike="noStrike">
-              <a:solidFill>
-                <a:srgbClr val="000000"/>
-              </a:solidFill>
+            <a:pPr algn="ctr">
+              <a:buNone/>
+            </a:pPr>
+            <a:endParaRPr b="0" lang="pt-BR" sz="4400" spc="-1" strike="noStrike">
               <a:latin typeface="Arial"/>
             </a:endParaRPr>
           </a:p>
@@ -2134,19 +2131,7 @@
             <a:normAutofit/>
           </a:bodyPr>
           <a:p>
-            <a:pPr>
-              <a:lnSpc>
-                <a:spcPct val="90000"/>
-              </a:lnSpc>
-              <a:spcBef>
-                <a:spcPts val="1417"/>
-              </a:spcBef>
-              <a:buNone/>
-            </a:pPr>
-            <a:endParaRPr b="0" lang="pt-BR" sz="2800" spc="-1" strike="noStrike">
-              <a:solidFill>
-                <a:srgbClr val="000000"/>
-              </a:solidFill>
+            <a:endParaRPr b="0" lang="pt-BR" sz="3200" spc="-1" strike="noStrike">
               <a:latin typeface="Arial"/>
             </a:endParaRPr>
           </a:p>
@@ -2180,19 +2165,7 @@
             <a:normAutofit/>
           </a:bodyPr>
           <a:p>
-            <a:pPr>
-              <a:lnSpc>
-                <a:spcPct val="90000"/>
-              </a:lnSpc>
-              <a:spcBef>
-                <a:spcPts val="1417"/>
-              </a:spcBef>
-              <a:buNone/>
-            </a:pPr>
-            <a:endParaRPr b="0" lang="pt-BR" sz="2800" spc="-1" strike="noStrike">
-              <a:solidFill>
-                <a:srgbClr val="000000"/>
-              </a:solidFill>
+            <a:endParaRPr b="0" lang="pt-BR" sz="3200" spc="-1" strike="noStrike">
               <a:latin typeface="Arial"/>
             </a:endParaRPr>
           </a:p>
@@ -2248,10 +2221,10 @@
             <a:noAutofit/>
           </a:bodyPr>
           <a:p>
-            <a:endParaRPr b="0" lang="pt-BR" sz="1800" spc="-1" strike="noStrike">
-              <a:solidFill>
-                <a:srgbClr val="000000"/>
-              </a:solidFill>
+            <a:pPr algn="ctr">
+              <a:buNone/>
+            </a:pPr>
+            <a:endParaRPr b="0" lang="pt-BR" sz="4400" spc="-1" strike="noStrike">
               <a:latin typeface="Arial"/>
             </a:endParaRPr>
           </a:p>
@@ -2285,19 +2258,7 @@
             <a:normAutofit/>
           </a:bodyPr>
           <a:p>
-            <a:pPr>
-              <a:lnSpc>
-                <a:spcPct val="90000"/>
-              </a:lnSpc>
-              <a:spcBef>
-                <a:spcPts val="1417"/>
-              </a:spcBef>
-              <a:buNone/>
-            </a:pPr>
-            <a:endParaRPr b="0" lang="pt-BR" sz="2800" spc="-1" strike="noStrike">
-              <a:solidFill>
-                <a:srgbClr val="000000"/>
-              </a:solidFill>
+            <a:endParaRPr b="0" lang="pt-BR" sz="3200" spc="-1" strike="noStrike">
               <a:latin typeface="Arial"/>
             </a:endParaRPr>
           </a:p>
@@ -2331,19 +2292,7 @@
             <a:normAutofit/>
           </a:bodyPr>
           <a:p>
-            <a:pPr>
-              <a:lnSpc>
-                <a:spcPct val="90000"/>
-              </a:lnSpc>
-              <a:spcBef>
-                <a:spcPts val="1417"/>
-              </a:spcBef>
-              <a:buNone/>
-            </a:pPr>
-            <a:endParaRPr b="0" lang="pt-BR" sz="2800" spc="-1" strike="noStrike">
-              <a:solidFill>
-                <a:srgbClr val="000000"/>
-              </a:solidFill>
+            <a:endParaRPr b="0" lang="pt-BR" sz="3200" spc="-1" strike="noStrike">
               <a:latin typeface="Arial"/>
             </a:endParaRPr>
           </a:p>
@@ -2377,19 +2326,7 @@
             <a:normAutofit/>
           </a:bodyPr>
           <a:p>
-            <a:pPr>
-              <a:lnSpc>
-                <a:spcPct val="90000"/>
-              </a:lnSpc>
-              <a:spcBef>
-                <a:spcPts val="1417"/>
-              </a:spcBef>
-              <a:buNone/>
-            </a:pPr>
-            <a:endParaRPr b="0" lang="pt-BR" sz="2800" spc="-1" strike="noStrike">
-              <a:solidFill>
-                <a:srgbClr val="000000"/>
-              </a:solidFill>
+            <a:endParaRPr b="0" lang="pt-BR" sz="3200" spc="-1" strike="noStrike">
               <a:latin typeface="Arial"/>
             </a:endParaRPr>
           </a:p>
@@ -2423,19 +2360,7 @@
             <a:normAutofit/>
           </a:bodyPr>
           <a:p>
-            <a:pPr>
-              <a:lnSpc>
-                <a:spcPct val="90000"/>
-              </a:lnSpc>
-              <a:spcBef>
-                <a:spcPts val="1417"/>
-              </a:spcBef>
-              <a:buNone/>
-            </a:pPr>
-            <a:endParaRPr b="0" lang="pt-BR" sz="2800" spc="-1" strike="noStrike">
-              <a:solidFill>
-                <a:srgbClr val="000000"/>
-              </a:solidFill>
+            <a:endParaRPr b="0" lang="pt-BR" sz="3200" spc="-1" strike="noStrike">
               <a:latin typeface="Arial"/>
             </a:endParaRPr>
           </a:p>
@@ -2491,10 +2416,10 @@
             <a:noAutofit/>
           </a:bodyPr>
           <a:p>
-            <a:endParaRPr b="0" lang="pt-BR" sz="1800" spc="-1" strike="noStrike">
-              <a:solidFill>
-                <a:srgbClr val="000000"/>
-              </a:solidFill>
+            <a:pPr algn="ctr">
+              <a:buNone/>
+            </a:pPr>
+            <a:endParaRPr b="0" lang="pt-BR" sz="4400" spc="-1" strike="noStrike">
               <a:latin typeface="Arial"/>
             </a:endParaRPr>
           </a:p>
@@ -2528,19 +2453,7 @@
             <a:normAutofit/>
           </a:bodyPr>
           <a:p>
-            <a:pPr>
-              <a:lnSpc>
-                <a:spcPct val="90000"/>
-              </a:lnSpc>
-              <a:spcBef>
-                <a:spcPts val="1417"/>
-              </a:spcBef>
-              <a:buNone/>
-            </a:pPr>
-            <a:endParaRPr b="0" lang="pt-BR" sz="2800" spc="-1" strike="noStrike">
-              <a:solidFill>
-                <a:srgbClr val="000000"/>
-              </a:solidFill>
+            <a:endParaRPr b="0" lang="pt-BR" sz="3200" spc="-1" strike="noStrike">
               <a:latin typeface="Arial"/>
             </a:endParaRPr>
           </a:p>
@@ -2574,19 +2487,7 @@
             <a:normAutofit/>
           </a:bodyPr>
           <a:p>
-            <a:pPr>
-              <a:lnSpc>
-                <a:spcPct val="90000"/>
-              </a:lnSpc>
-              <a:spcBef>
-                <a:spcPts val="1417"/>
-              </a:spcBef>
-              <a:buNone/>
-            </a:pPr>
-            <a:endParaRPr b="0" lang="pt-BR" sz="2800" spc="-1" strike="noStrike">
-              <a:solidFill>
-                <a:srgbClr val="000000"/>
-              </a:solidFill>
+            <a:endParaRPr b="0" lang="pt-BR" sz="3200" spc="-1" strike="noStrike">
               <a:latin typeface="Arial"/>
             </a:endParaRPr>
           </a:p>
@@ -2620,19 +2521,7 @@
             <a:normAutofit/>
           </a:bodyPr>
           <a:p>
-            <a:pPr>
-              <a:lnSpc>
-                <a:spcPct val="90000"/>
-              </a:lnSpc>
-              <a:spcBef>
-                <a:spcPts val="1417"/>
-              </a:spcBef>
-              <a:buNone/>
-            </a:pPr>
-            <a:endParaRPr b="0" lang="pt-BR" sz="2800" spc="-1" strike="noStrike">
-              <a:solidFill>
-                <a:srgbClr val="000000"/>
-              </a:solidFill>
+            <a:endParaRPr b="0" lang="pt-BR" sz="3200" spc="-1" strike="noStrike">
               <a:latin typeface="Arial"/>
             </a:endParaRPr>
           </a:p>
@@ -2666,19 +2555,7 @@
             <a:normAutofit/>
           </a:bodyPr>
           <a:p>
-            <a:pPr>
-              <a:lnSpc>
-                <a:spcPct val="90000"/>
-              </a:lnSpc>
-              <a:spcBef>
-                <a:spcPts val="1417"/>
-              </a:spcBef>
-              <a:buNone/>
-            </a:pPr>
-            <a:endParaRPr b="0" lang="pt-BR" sz="2800" spc="-1" strike="noStrike">
-              <a:solidFill>
-                <a:srgbClr val="000000"/>
-              </a:solidFill>
+            <a:endParaRPr b="0" lang="pt-BR" sz="3200" spc="-1" strike="noStrike">
               <a:latin typeface="Arial"/>
             </a:endParaRPr>
           </a:p>
@@ -2712,19 +2589,7 @@
             <a:normAutofit/>
           </a:bodyPr>
           <a:p>
-            <a:pPr>
-              <a:lnSpc>
-                <a:spcPct val="90000"/>
-              </a:lnSpc>
-              <a:spcBef>
-                <a:spcPts val="1417"/>
-              </a:spcBef>
-              <a:buNone/>
-            </a:pPr>
-            <a:endParaRPr b="0" lang="pt-BR" sz="2800" spc="-1" strike="noStrike">
-              <a:solidFill>
-                <a:srgbClr val="000000"/>
-              </a:solidFill>
+            <a:endParaRPr b="0" lang="pt-BR" sz="3200" spc="-1" strike="noStrike">
               <a:latin typeface="Arial"/>
             </a:endParaRPr>
           </a:p>
@@ -2758,19 +2623,7 @@
             <a:normAutofit/>
           </a:bodyPr>
           <a:p>
-            <a:pPr>
-              <a:lnSpc>
-                <a:spcPct val="90000"/>
-              </a:lnSpc>
-              <a:spcBef>
-                <a:spcPts val="1417"/>
-              </a:spcBef>
-              <a:buNone/>
-            </a:pPr>
-            <a:endParaRPr b="0" lang="pt-BR" sz="2800" spc="-1" strike="noStrike">
-              <a:solidFill>
-                <a:srgbClr val="000000"/>
-              </a:solidFill>
+            <a:endParaRPr b="0" lang="pt-BR" sz="3200" spc="-1" strike="noStrike">
               <a:latin typeface="Arial"/>
             </a:endParaRPr>
           </a:p>
@@ -2848,10 +2701,10 @@
             <a:noAutofit/>
           </a:bodyPr>
           <a:p>
-            <a:endParaRPr b="0" lang="pt-BR" sz="1800" spc="-1" strike="noStrike">
-              <a:solidFill>
-                <a:srgbClr val="000000"/>
-              </a:solidFill>
+            <a:pPr algn="ctr">
+              <a:buNone/>
+            </a:pPr>
+            <a:endParaRPr b="0" lang="pt-BR" sz="4400" spc="-1" strike="noStrike">
               <a:latin typeface="Arial"/>
             </a:endParaRPr>
           </a:p>
@@ -2944,10 +2797,10 @@
             <a:noAutofit/>
           </a:bodyPr>
           <a:p>
-            <a:endParaRPr b="0" lang="pt-BR" sz="1800" spc="-1" strike="noStrike">
-              <a:solidFill>
-                <a:srgbClr val="000000"/>
-              </a:solidFill>
+            <a:pPr algn="ctr">
+              <a:buNone/>
+            </a:pPr>
+            <a:endParaRPr b="0" lang="pt-BR" sz="4400" spc="-1" strike="noStrike">
               <a:latin typeface="Arial"/>
             </a:endParaRPr>
           </a:p>
@@ -2981,19 +2834,7 @@
             <a:normAutofit/>
           </a:bodyPr>
           <a:p>
-            <a:pPr>
-              <a:lnSpc>
-                <a:spcPct val="90000"/>
-              </a:lnSpc>
-              <a:spcBef>
-                <a:spcPts val="1417"/>
-              </a:spcBef>
-              <a:buNone/>
-            </a:pPr>
-            <a:endParaRPr b="0" lang="pt-BR" sz="2800" spc="-1" strike="noStrike">
-              <a:solidFill>
-                <a:srgbClr val="000000"/>
-              </a:solidFill>
+            <a:endParaRPr b="0" lang="pt-BR" sz="3200" spc="-1" strike="noStrike">
               <a:latin typeface="Arial"/>
             </a:endParaRPr>
           </a:p>
@@ -3049,10 +2890,10 @@
             <a:noAutofit/>
           </a:bodyPr>
           <a:p>
-            <a:endParaRPr b="0" lang="pt-BR" sz="1800" spc="-1" strike="noStrike">
-              <a:solidFill>
-                <a:srgbClr val="000000"/>
-              </a:solidFill>
+            <a:pPr algn="ctr">
+              <a:buNone/>
+            </a:pPr>
+            <a:endParaRPr b="0" lang="pt-BR" sz="4400" spc="-1" strike="noStrike">
               <a:latin typeface="Arial"/>
             </a:endParaRPr>
           </a:p>
@@ -3086,19 +2927,7 @@
             <a:normAutofit/>
           </a:bodyPr>
           <a:p>
-            <a:pPr>
-              <a:lnSpc>
-                <a:spcPct val="90000"/>
-              </a:lnSpc>
-              <a:spcBef>
-                <a:spcPts val="1417"/>
-              </a:spcBef>
-              <a:buNone/>
-            </a:pPr>
-            <a:endParaRPr b="0" lang="pt-BR" sz="2800" spc="-1" strike="noStrike">
-              <a:solidFill>
-                <a:srgbClr val="000000"/>
-              </a:solidFill>
+            <a:endParaRPr b="0" lang="pt-BR" sz="3200" spc="-1" strike="noStrike">
               <a:latin typeface="Arial"/>
             </a:endParaRPr>
           </a:p>
@@ -3132,19 +2961,7 @@
             <a:normAutofit/>
           </a:bodyPr>
           <a:p>
-            <a:pPr>
-              <a:lnSpc>
-                <a:spcPct val="90000"/>
-              </a:lnSpc>
-              <a:spcBef>
-                <a:spcPts val="1417"/>
-              </a:spcBef>
-              <a:buNone/>
-            </a:pPr>
-            <a:endParaRPr b="0" lang="pt-BR" sz="2800" spc="-1" strike="noStrike">
-              <a:solidFill>
-                <a:srgbClr val="000000"/>
-              </a:solidFill>
+            <a:endParaRPr b="0" lang="pt-BR" sz="3200" spc="-1" strike="noStrike">
               <a:latin typeface="Arial"/>
             </a:endParaRPr>
           </a:p>
@@ -3200,10 +3017,10 @@
             <a:noAutofit/>
           </a:bodyPr>
           <a:p>
-            <a:endParaRPr b="0" lang="pt-BR" sz="1800" spc="-1" strike="noStrike">
-              <a:solidFill>
-                <a:srgbClr val="000000"/>
-              </a:solidFill>
+            <a:pPr algn="ctr">
+              <a:buNone/>
+            </a:pPr>
+            <a:endParaRPr b="0" lang="pt-BR" sz="4400" spc="-1" strike="noStrike">
               <a:latin typeface="Arial"/>
             </a:endParaRPr>
           </a:p>
@@ -3318,10 +3135,10 @@
             <a:noAutofit/>
           </a:bodyPr>
           <a:p>
-            <a:endParaRPr b="0" lang="pt-BR" sz="1800" spc="-1" strike="noStrike">
-              <a:solidFill>
-                <a:srgbClr val="000000"/>
-              </a:solidFill>
+            <a:pPr algn="ctr">
+              <a:buNone/>
+            </a:pPr>
+            <a:endParaRPr b="0" lang="pt-BR" sz="4400" spc="-1" strike="noStrike">
               <a:latin typeface="Arial"/>
             </a:endParaRPr>
           </a:p>
@@ -3355,19 +3172,7 @@
             <a:normAutofit/>
           </a:bodyPr>
           <a:p>
-            <a:pPr>
-              <a:lnSpc>
-                <a:spcPct val="90000"/>
-              </a:lnSpc>
-              <a:spcBef>
-                <a:spcPts val="1417"/>
-              </a:spcBef>
-              <a:buNone/>
-            </a:pPr>
-            <a:endParaRPr b="0" lang="pt-BR" sz="2800" spc="-1" strike="noStrike">
-              <a:solidFill>
-                <a:srgbClr val="000000"/>
-              </a:solidFill>
+            <a:endParaRPr b="0" lang="pt-BR" sz="3200" spc="-1" strike="noStrike">
               <a:latin typeface="Arial"/>
             </a:endParaRPr>
           </a:p>
@@ -3401,19 +3206,7 @@
             <a:normAutofit/>
           </a:bodyPr>
           <a:p>
-            <a:pPr>
-              <a:lnSpc>
-                <a:spcPct val="90000"/>
-              </a:lnSpc>
-              <a:spcBef>
-                <a:spcPts val="1417"/>
-              </a:spcBef>
-              <a:buNone/>
-            </a:pPr>
-            <a:endParaRPr b="0" lang="pt-BR" sz="2800" spc="-1" strike="noStrike">
-              <a:solidFill>
-                <a:srgbClr val="000000"/>
-              </a:solidFill>
+            <a:endParaRPr b="0" lang="pt-BR" sz="3200" spc="-1" strike="noStrike">
               <a:latin typeface="Arial"/>
             </a:endParaRPr>
           </a:p>
@@ -3447,19 +3240,7 @@
             <a:normAutofit/>
           </a:bodyPr>
           <a:p>
-            <a:pPr>
-              <a:lnSpc>
-                <a:spcPct val="90000"/>
-              </a:lnSpc>
-              <a:spcBef>
-                <a:spcPts val="1417"/>
-              </a:spcBef>
-              <a:buNone/>
-            </a:pPr>
-            <a:endParaRPr b="0" lang="pt-BR" sz="2800" spc="-1" strike="noStrike">
-              <a:solidFill>
-                <a:srgbClr val="000000"/>
-              </a:solidFill>
+            <a:endParaRPr b="0" lang="pt-BR" sz="3200" spc="-1" strike="noStrike">
               <a:latin typeface="Arial"/>
             </a:endParaRPr>
           </a:p>
@@ -3515,10 +3296,10 @@
             <a:noAutofit/>
           </a:bodyPr>
           <a:p>
-            <a:endParaRPr b="0" lang="pt-BR" sz="1800" spc="-1" strike="noStrike">
-              <a:solidFill>
-                <a:srgbClr val="000000"/>
-              </a:solidFill>
+            <a:pPr algn="ctr">
+              <a:buNone/>
+            </a:pPr>
+            <a:endParaRPr b="0" lang="pt-BR" sz="4400" spc="-1" strike="noStrike">
               <a:latin typeface="Arial"/>
             </a:endParaRPr>
           </a:p>
@@ -3611,10 +3392,10 @@
             <a:noAutofit/>
           </a:bodyPr>
           <a:p>
-            <a:endParaRPr b="0" lang="pt-BR" sz="1800" spc="-1" strike="noStrike">
-              <a:solidFill>
-                <a:srgbClr val="000000"/>
-              </a:solidFill>
+            <a:pPr algn="ctr">
+              <a:buNone/>
+            </a:pPr>
+            <a:endParaRPr b="0" lang="pt-BR" sz="4400" spc="-1" strike="noStrike">
               <a:latin typeface="Arial"/>
             </a:endParaRPr>
           </a:p>
@@ -3648,19 +3429,7 @@
             <a:normAutofit/>
           </a:bodyPr>
           <a:p>
-            <a:pPr>
-              <a:lnSpc>
-                <a:spcPct val="90000"/>
-              </a:lnSpc>
-              <a:spcBef>
-                <a:spcPts val="1417"/>
-              </a:spcBef>
-              <a:buNone/>
-            </a:pPr>
-            <a:endParaRPr b="0" lang="pt-BR" sz="2800" spc="-1" strike="noStrike">
-              <a:solidFill>
-                <a:srgbClr val="000000"/>
-              </a:solidFill>
+            <a:endParaRPr b="0" lang="pt-BR" sz="3200" spc="-1" strike="noStrike">
               <a:latin typeface="Arial"/>
             </a:endParaRPr>
           </a:p>
@@ -3694,19 +3463,7 @@
             <a:normAutofit/>
           </a:bodyPr>
           <a:p>
-            <a:pPr>
-              <a:lnSpc>
-                <a:spcPct val="90000"/>
-              </a:lnSpc>
-              <a:spcBef>
-                <a:spcPts val="1417"/>
-              </a:spcBef>
-              <a:buNone/>
-            </a:pPr>
-            <a:endParaRPr b="0" lang="pt-BR" sz="2800" spc="-1" strike="noStrike">
-              <a:solidFill>
-                <a:srgbClr val="000000"/>
-              </a:solidFill>
+            <a:endParaRPr b="0" lang="pt-BR" sz="3200" spc="-1" strike="noStrike">
               <a:latin typeface="Arial"/>
             </a:endParaRPr>
           </a:p>
@@ -3740,19 +3497,7 @@
             <a:normAutofit/>
           </a:bodyPr>
           <a:p>
-            <a:pPr>
-              <a:lnSpc>
-                <a:spcPct val="90000"/>
-              </a:lnSpc>
-              <a:spcBef>
-                <a:spcPts val="1417"/>
-              </a:spcBef>
-              <a:buNone/>
-            </a:pPr>
-            <a:endParaRPr b="0" lang="pt-BR" sz="2800" spc="-1" strike="noStrike">
-              <a:solidFill>
-                <a:srgbClr val="000000"/>
-              </a:solidFill>
+            <a:endParaRPr b="0" lang="pt-BR" sz="3200" spc="-1" strike="noStrike">
               <a:latin typeface="Arial"/>
             </a:endParaRPr>
           </a:p>
@@ -3808,10 +3553,10 @@
             <a:noAutofit/>
           </a:bodyPr>
           <a:p>
-            <a:endParaRPr b="0" lang="pt-BR" sz="1800" spc="-1" strike="noStrike">
-              <a:solidFill>
-                <a:srgbClr val="000000"/>
-              </a:solidFill>
+            <a:pPr algn="ctr">
+              <a:buNone/>
+            </a:pPr>
+            <a:endParaRPr b="0" lang="pt-BR" sz="4400" spc="-1" strike="noStrike">
               <a:latin typeface="Arial"/>
             </a:endParaRPr>
           </a:p>
@@ -3845,19 +3590,7 @@
             <a:normAutofit/>
           </a:bodyPr>
           <a:p>
-            <a:pPr>
-              <a:lnSpc>
-                <a:spcPct val="90000"/>
-              </a:lnSpc>
-              <a:spcBef>
-                <a:spcPts val="1417"/>
-              </a:spcBef>
-              <a:buNone/>
-            </a:pPr>
-            <a:endParaRPr b="0" lang="pt-BR" sz="2800" spc="-1" strike="noStrike">
-              <a:solidFill>
-                <a:srgbClr val="000000"/>
-              </a:solidFill>
+            <a:endParaRPr b="0" lang="pt-BR" sz="3200" spc="-1" strike="noStrike">
               <a:latin typeface="Arial"/>
             </a:endParaRPr>
           </a:p>
@@ -3891,19 +3624,7 @@
             <a:normAutofit/>
           </a:bodyPr>
           <a:p>
-            <a:pPr>
-              <a:lnSpc>
-                <a:spcPct val="90000"/>
-              </a:lnSpc>
-              <a:spcBef>
-                <a:spcPts val="1417"/>
-              </a:spcBef>
-              <a:buNone/>
-            </a:pPr>
-            <a:endParaRPr b="0" lang="pt-BR" sz="2800" spc="-1" strike="noStrike">
-              <a:solidFill>
-                <a:srgbClr val="000000"/>
-              </a:solidFill>
+            <a:endParaRPr b="0" lang="pt-BR" sz="3200" spc="-1" strike="noStrike">
               <a:latin typeface="Arial"/>
             </a:endParaRPr>
           </a:p>
@@ -3937,19 +3658,7 @@
             <a:normAutofit/>
           </a:bodyPr>
           <a:p>
-            <a:pPr>
-              <a:lnSpc>
-                <a:spcPct val="90000"/>
-              </a:lnSpc>
-              <a:spcBef>
-                <a:spcPts val="1417"/>
-              </a:spcBef>
-              <a:buNone/>
-            </a:pPr>
-            <a:endParaRPr b="0" lang="pt-BR" sz="2800" spc="-1" strike="noStrike">
-              <a:solidFill>
-                <a:srgbClr val="000000"/>
-              </a:solidFill>
+            <a:endParaRPr b="0" lang="pt-BR" sz="3200" spc="-1" strike="noStrike">
               <a:latin typeface="Arial"/>
             </a:endParaRPr>
           </a:p>
@@ -4005,10 +3714,10 @@
             <a:noAutofit/>
           </a:bodyPr>
           <a:p>
-            <a:endParaRPr b="0" lang="pt-BR" sz="1800" spc="-1" strike="noStrike">
-              <a:solidFill>
-                <a:srgbClr val="000000"/>
-              </a:solidFill>
+            <a:pPr algn="ctr">
+              <a:buNone/>
+            </a:pPr>
+            <a:endParaRPr b="0" lang="pt-BR" sz="4400" spc="-1" strike="noStrike">
               <a:latin typeface="Arial"/>
             </a:endParaRPr>
           </a:p>
@@ -4042,19 +3751,7 @@
             <a:normAutofit/>
           </a:bodyPr>
           <a:p>
-            <a:pPr>
-              <a:lnSpc>
-                <a:spcPct val="90000"/>
-              </a:lnSpc>
-              <a:spcBef>
-                <a:spcPts val="1417"/>
-              </a:spcBef>
-              <a:buNone/>
-            </a:pPr>
-            <a:endParaRPr b="0" lang="pt-BR" sz="2800" spc="-1" strike="noStrike">
-              <a:solidFill>
-                <a:srgbClr val="000000"/>
-              </a:solidFill>
+            <a:endParaRPr b="0" lang="pt-BR" sz="3200" spc="-1" strike="noStrike">
               <a:latin typeface="Arial"/>
             </a:endParaRPr>
           </a:p>
@@ -4088,19 +3785,7 @@
             <a:normAutofit/>
           </a:bodyPr>
           <a:p>
-            <a:pPr>
-              <a:lnSpc>
-                <a:spcPct val="90000"/>
-              </a:lnSpc>
-              <a:spcBef>
-                <a:spcPts val="1417"/>
-              </a:spcBef>
-              <a:buNone/>
-            </a:pPr>
-            <a:endParaRPr b="0" lang="pt-BR" sz="2800" spc="-1" strike="noStrike">
-              <a:solidFill>
-                <a:srgbClr val="000000"/>
-              </a:solidFill>
+            <a:endParaRPr b="0" lang="pt-BR" sz="3200" spc="-1" strike="noStrike">
               <a:latin typeface="Arial"/>
             </a:endParaRPr>
           </a:p>
@@ -4156,10 +3841,10 @@
             <a:noAutofit/>
           </a:bodyPr>
           <a:p>
-            <a:endParaRPr b="0" lang="pt-BR" sz="1800" spc="-1" strike="noStrike">
-              <a:solidFill>
-                <a:srgbClr val="000000"/>
-              </a:solidFill>
+            <a:pPr algn="ctr">
+              <a:buNone/>
+            </a:pPr>
+            <a:endParaRPr b="0" lang="pt-BR" sz="4400" spc="-1" strike="noStrike">
               <a:latin typeface="Arial"/>
             </a:endParaRPr>
           </a:p>
@@ -4193,19 +3878,7 @@
             <a:normAutofit/>
           </a:bodyPr>
           <a:p>
-            <a:pPr>
-              <a:lnSpc>
-                <a:spcPct val="90000"/>
-              </a:lnSpc>
-              <a:spcBef>
-                <a:spcPts val="1417"/>
-              </a:spcBef>
-              <a:buNone/>
-            </a:pPr>
-            <a:endParaRPr b="0" lang="pt-BR" sz="2800" spc="-1" strike="noStrike">
-              <a:solidFill>
-                <a:srgbClr val="000000"/>
-              </a:solidFill>
+            <a:endParaRPr b="0" lang="pt-BR" sz="3200" spc="-1" strike="noStrike">
               <a:latin typeface="Arial"/>
             </a:endParaRPr>
           </a:p>
@@ -4239,19 +3912,7 @@
             <a:normAutofit/>
           </a:bodyPr>
           <a:p>
-            <a:pPr>
-              <a:lnSpc>
-                <a:spcPct val="90000"/>
-              </a:lnSpc>
-              <a:spcBef>
-                <a:spcPts val="1417"/>
-              </a:spcBef>
-              <a:buNone/>
-            </a:pPr>
-            <a:endParaRPr b="0" lang="pt-BR" sz="2800" spc="-1" strike="noStrike">
-              <a:solidFill>
-                <a:srgbClr val="000000"/>
-              </a:solidFill>
+            <a:endParaRPr b="0" lang="pt-BR" sz="3200" spc="-1" strike="noStrike">
               <a:latin typeface="Arial"/>
             </a:endParaRPr>
           </a:p>
@@ -4285,19 +3946,7 @@
             <a:normAutofit/>
           </a:bodyPr>
           <a:p>
-            <a:pPr>
-              <a:lnSpc>
-                <a:spcPct val="90000"/>
-              </a:lnSpc>
-              <a:spcBef>
-                <a:spcPts val="1417"/>
-              </a:spcBef>
-              <a:buNone/>
-            </a:pPr>
-            <a:endParaRPr b="0" lang="pt-BR" sz="2800" spc="-1" strike="noStrike">
-              <a:solidFill>
-                <a:srgbClr val="000000"/>
-              </a:solidFill>
+            <a:endParaRPr b="0" lang="pt-BR" sz="3200" spc="-1" strike="noStrike">
               <a:latin typeface="Arial"/>
             </a:endParaRPr>
           </a:p>
@@ -4331,19 +3980,7 @@
             <a:normAutofit/>
           </a:bodyPr>
           <a:p>
-            <a:pPr>
-              <a:lnSpc>
-                <a:spcPct val="90000"/>
-              </a:lnSpc>
-              <a:spcBef>
-                <a:spcPts val="1417"/>
-              </a:spcBef>
-              <a:buNone/>
-            </a:pPr>
-            <a:endParaRPr b="0" lang="pt-BR" sz="2800" spc="-1" strike="noStrike">
-              <a:solidFill>
-                <a:srgbClr val="000000"/>
-              </a:solidFill>
+            <a:endParaRPr b="0" lang="pt-BR" sz="3200" spc="-1" strike="noStrike">
               <a:latin typeface="Arial"/>
             </a:endParaRPr>
           </a:p>
@@ -4399,10 +4036,10 @@
             <a:noAutofit/>
           </a:bodyPr>
           <a:p>
-            <a:endParaRPr b="0" lang="pt-BR" sz="1800" spc="-1" strike="noStrike">
-              <a:solidFill>
-                <a:srgbClr val="000000"/>
-              </a:solidFill>
+            <a:pPr algn="ctr">
+              <a:buNone/>
+            </a:pPr>
+            <a:endParaRPr b="0" lang="pt-BR" sz="4400" spc="-1" strike="noStrike">
               <a:latin typeface="Arial"/>
             </a:endParaRPr>
           </a:p>
@@ -4436,19 +4073,7 @@
             <a:normAutofit/>
           </a:bodyPr>
           <a:p>
-            <a:pPr>
-              <a:lnSpc>
-                <a:spcPct val="90000"/>
-              </a:lnSpc>
-              <a:spcBef>
-                <a:spcPts val="1417"/>
-              </a:spcBef>
-              <a:buNone/>
-            </a:pPr>
-            <a:endParaRPr b="0" lang="pt-BR" sz="2800" spc="-1" strike="noStrike">
-              <a:solidFill>
-                <a:srgbClr val="000000"/>
-              </a:solidFill>
+            <a:endParaRPr b="0" lang="pt-BR" sz="3200" spc="-1" strike="noStrike">
               <a:latin typeface="Arial"/>
             </a:endParaRPr>
           </a:p>
@@ -4482,19 +4107,7 @@
             <a:normAutofit/>
           </a:bodyPr>
           <a:p>
-            <a:pPr>
-              <a:lnSpc>
-                <a:spcPct val="90000"/>
-              </a:lnSpc>
-              <a:spcBef>
-                <a:spcPts val="1417"/>
-              </a:spcBef>
-              <a:buNone/>
-            </a:pPr>
-            <a:endParaRPr b="0" lang="pt-BR" sz="2800" spc="-1" strike="noStrike">
-              <a:solidFill>
-                <a:srgbClr val="000000"/>
-              </a:solidFill>
+            <a:endParaRPr b="0" lang="pt-BR" sz="3200" spc="-1" strike="noStrike">
               <a:latin typeface="Arial"/>
             </a:endParaRPr>
           </a:p>
@@ -4528,19 +4141,7 @@
             <a:normAutofit/>
           </a:bodyPr>
           <a:p>
-            <a:pPr>
-              <a:lnSpc>
-                <a:spcPct val="90000"/>
-              </a:lnSpc>
-              <a:spcBef>
-                <a:spcPts val="1417"/>
-              </a:spcBef>
-              <a:buNone/>
-            </a:pPr>
-            <a:endParaRPr b="0" lang="pt-BR" sz="2800" spc="-1" strike="noStrike">
-              <a:solidFill>
-                <a:srgbClr val="000000"/>
-              </a:solidFill>
+            <a:endParaRPr b="0" lang="pt-BR" sz="3200" spc="-1" strike="noStrike">
               <a:latin typeface="Arial"/>
             </a:endParaRPr>
           </a:p>
@@ -4574,19 +4175,7 @@
             <a:normAutofit/>
           </a:bodyPr>
           <a:p>
-            <a:pPr>
-              <a:lnSpc>
-                <a:spcPct val="90000"/>
-              </a:lnSpc>
-              <a:spcBef>
-                <a:spcPts val="1417"/>
-              </a:spcBef>
-              <a:buNone/>
-            </a:pPr>
-            <a:endParaRPr b="0" lang="pt-BR" sz="2800" spc="-1" strike="noStrike">
-              <a:solidFill>
-                <a:srgbClr val="000000"/>
-              </a:solidFill>
+            <a:endParaRPr b="0" lang="pt-BR" sz="3200" spc="-1" strike="noStrike">
               <a:latin typeface="Arial"/>
             </a:endParaRPr>
           </a:p>
@@ -4620,19 +4209,7 @@
             <a:normAutofit/>
           </a:bodyPr>
           <a:p>
-            <a:pPr>
-              <a:lnSpc>
-                <a:spcPct val="90000"/>
-              </a:lnSpc>
-              <a:spcBef>
-                <a:spcPts val="1417"/>
-              </a:spcBef>
-              <a:buNone/>
-            </a:pPr>
-            <a:endParaRPr b="0" lang="pt-BR" sz="2800" spc="-1" strike="noStrike">
-              <a:solidFill>
-                <a:srgbClr val="000000"/>
-              </a:solidFill>
+            <a:endParaRPr b="0" lang="pt-BR" sz="3200" spc="-1" strike="noStrike">
               <a:latin typeface="Arial"/>
             </a:endParaRPr>
           </a:p>
@@ -4666,19 +4243,7 @@
             <a:normAutofit/>
           </a:bodyPr>
           <a:p>
-            <a:pPr>
-              <a:lnSpc>
-                <a:spcPct val="90000"/>
-              </a:lnSpc>
-              <a:spcBef>
-                <a:spcPts val="1417"/>
-              </a:spcBef>
-              <a:buNone/>
-            </a:pPr>
-            <a:endParaRPr b="0" lang="pt-BR" sz="2800" spc="-1" strike="noStrike">
-              <a:solidFill>
-                <a:srgbClr val="000000"/>
-              </a:solidFill>
+            <a:endParaRPr b="0" lang="pt-BR" sz="3200" spc="-1" strike="noStrike">
               <a:latin typeface="Arial"/>
             </a:endParaRPr>
           </a:p>
@@ -4756,10 +4321,10 @@
             <a:noAutofit/>
           </a:bodyPr>
           <a:p>
-            <a:endParaRPr b="0" lang="pt-BR" sz="1800" spc="-1" strike="noStrike">
-              <a:solidFill>
-                <a:srgbClr val="000000"/>
-              </a:solidFill>
+            <a:pPr algn="ctr">
+              <a:buNone/>
+            </a:pPr>
+            <a:endParaRPr b="0" lang="pt-BR" sz="4400" spc="-1" strike="noStrike">
               <a:latin typeface="Arial"/>
             </a:endParaRPr>
           </a:p>
@@ -4852,10 +4417,10 @@
             <a:noAutofit/>
           </a:bodyPr>
           <a:p>
-            <a:endParaRPr b="0" lang="pt-BR" sz="1800" spc="-1" strike="noStrike">
-              <a:solidFill>
-                <a:srgbClr val="000000"/>
-              </a:solidFill>
+            <a:pPr algn="ctr">
+              <a:buNone/>
+            </a:pPr>
+            <a:endParaRPr b="0" lang="pt-BR" sz="4400" spc="-1" strike="noStrike">
               <a:latin typeface="Arial"/>
             </a:endParaRPr>
           </a:p>
@@ -4889,19 +4454,7 @@
             <a:normAutofit/>
           </a:bodyPr>
           <a:p>
-            <a:pPr>
-              <a:lnSpc>
-                <a:spcPct val="90000"/>
-              </a:lnSpc>
-              <a:spcBef>
-                <a:spcPts val="1417"/>
-              </a:spcBef>
-              <a:buNone/>
-            </a:pPr>
-            <a:endParaRPr b="0" lang="pt-BR" sz="2800" spc="-1" strike="noStrike">
-              <a:solidFill>
-                <a:srgbClr val="000000"/>
-              </a:solidFill>
+            <a:endParaRPr b="0" lang="pt-BR" sz="3200" spc="-1" strike="noStrike">
               <a:latin typeface="Arial"/>
             </a:endParaRPr>
           </a:p>
@@ -4957,10 +4510,10 @@
             <a:noAutofit/>
           </a:bodyPr>
           <a:p>
-            <a:endParaRPr b="0" lang="pt-BR" sz="1800" spc="-1" strike="noStrike">
-              <a:solidFill>
-                <a:srgbClr val="000000"/>
-              </a:solidFill>
+            <a:pPr algn="ctr">
+              <a:buNone/>
+            </a:pPr>
+            <a:endParaRPr b="0" lang="pt-BR" sz="4400" spc="-1" strike="noStrike">
               <a:latin typeface="Arial"/>
             </a:endParaRPr>
           </a:p>
@@ -4994,19 +4547,7 @@
             <a:normAutofit/>
           </a:bodyPr>
           <a:p>
-            <a:pPr>
-              <a:lnSpc>
-                <a:spcPct val="90000"/>
-              </a:lnSpc>
-              <a:spcBef>
-                <a:spcPts val="1417"/>
-              </a:spcBef>
-              <a:buNone/>
-            </a:pPr>
-            <a:endParaRPr b="0" lang="pt-BR" sz="2800" spc="-1" strike="noStrike">
-              <a:solidFill>
-                <a:srgbClr val="000000"/>
-              </a:solidFill>
+            <a:endParaRPr b="0" lang="pt-BR" sz="3200" spc="-1" strike="noStrike">
               <a:latin typeface="Arial"/>
             </a:endParaRPr>
           </a:p>
@@ -5040,19 +4581,7 @@
             <a:normAutofit/>
           </a:bodyPr>
           <a:p>
-            <a:pPr>
-              <a:lnSpc>
-                <a:spcPct val="90000"/>
-              </a:lnSpc>
-              <a:spcBef>
-                <a:spcPts val="1417"/>
-              </a:spcBef>
-              <a:buNone/>
-            </a:pPr>
-            <a:endParaRPr b="0" lang="pt-BR" sz="2800" spc="-1" strike="noStrike">
-              <a:solidFill>
-                <a:srgbClr val="000000"/>
-              </a:solidFill>
+            <a:endParaRPr b="0" lang="pt-BR" sz="3200" spc="-1" strike="noStrike">
               <a:latin typeface="Arial"/>
             </a:endParaRPr>
           </a:p>
@@ -5108,10 +4637,10 @@
             <a:noAutofit/>
           </a:bodyPr>
           <a:p>
-            <a:endParaRPr b="0" lang="pt-BR" sz="1800" spc="-1" strike="noStrike">
-              <a:solidFill>
-                <a:srgbClr val="000000"/>
-              </a:solidFill>
+            <a:pPr algn="ctr">
+              <a:buNone/>
+            </a:pPr>
+            <a:endParaRPr b="0" lang="pt-BR" sz="4400" spc="-1" strike="noStrike">
               <a:latin typeface="Arial"/>
             </a:endParaRPr>
           </a:p>
@@ -5167,10 +4696,10 @@
             <a:noAutofit/>
           </a:bodyPr>
           <a:p>
-            <a:endParaRPr b="0" lang="pt-BR" sz="1800" spc="-1" strike="noStrike">
-              <a:solidFill>
-                <a:srgbClr val="000000"/>
-              </a:solidFill>
+            <a:pPr algn="ctr">
+              <a:buNone/>
+            </a:pPr>
+            <a:endParaRPr b="0" lang="pt-BR" sz="4400" spc="-1" strike="noStrike">
               <a:latin typeface="Arial"/>
             </a:endParaRPr>
           </a:p>
@@ -5204,19 +4733,7 @@
             <a:normAutofit/>
           </a:bodyPr>
           <a:p>
-            <a:pPr>
-              <a:lnSpc>
-                <a:spcPct val="90000"/>
-              </a:lnSpc>
-              <a:spcBef>
-                <a:spcPts val="1417"/>
-              </a:spcBef>
-              <a:buNone/>
-            </a:pPr>
-            <a:endParaRPr b="0" lang="pt-BR" sz="2800" spc="-1" strike="noStrike">
-              <a:solidFill>
-                <a:srgbClr val="000000"/>
-              </a:solidFill>
+            <a:endParaRPr b="0" lang="pt-BR" sz="3200" spc="-1" strike="noStrike">
               <a:latin typeface="Arial"/>
             </a:endParaRPr>
           </a:p>
@@ -5331,10 +4848,10 @@
             <a:noAutofit/>
           </a:bodyPr>
           <a:p>
-            <a:endParaRPr b="0" lang="pt-BR" sz="1800" spc="-1" strike="noStrike">
-              <a:solidFill>
-                <a:srgbClr val="000000"/>
-              </a:solidFill>
+            <a:pPr algn="ctr">
+              <a:buNone/>
+            </a:pPr>
+            <a:endParaRPr b="0" lang="pt-BR" sz="4400" spc="-1" strike="noStrike">
               <a:latin typeface="Arial"/>
             </a:endParaRPr>
           </a:p>
@@ -5368,19 +4885,7 @@
             <a:normAutofit/>
           </a:bodyPr>
           <a:p>
-            <a:pPr>
-              <a:lnSpc>
-                <a:spcPct val="90000"/>
-              </a:lnSpc>
-              <a:spcBef>
-                <a:spcPts val="1417"/>
-              </a:spcBef>
-              <a:buNone/>
-            </a:pPr>
-            <a:endParaRPr b="0" lang="pt-BR" sz="2800" spc="-1" strike="noStrike">
-              <a:solidFill>
-                <a:srgbClr val="000000"/>
-              </a:solidFill>
+            <a:endParaRPr b="0" lang="pt-BR" sz="3200" spc="-1" strike="noStrike">
               <a:latin typeface="Arial"/>
             </a:endParaRPr>
           </a:p>
@@ -5414,19 +4919,7 @@
             <a:normAutofit/>
           </a:bodyPr>
           <a:p>
-            <a:pPr>
-              <a:lnSpc>
-                <a:spcPct val="90000"/>
-              </a:lnSpc>
-              <a:spcBef>
-                <a:spcPts val="1417"/>
-              </a:spcBef>
-              <a:buNone/>
-            </a:pPr>
-            <a:endParaRPr b="0" lang="pt-BR" sz="2800" spc="-1" strike="noStrike">
-              <a:solidFill>
-                <a:srgbClr val="000000"/>
-              </a:solidFill>
+            <a:endParaRPr b="0" lang="pt-BR" sz="3200" spc="-1" strike="noStrike">
               <a:latin typeface="Arial"/>
             </a:endParaRPr>
           </a:p>
@@ -5460,19 +4953,7 @@
             <a:normAutofit/>
           </a:bodyPr>
           <a:p>
-            <a:pPr>
-              <a:lnSpc>
-                <a:spcPct val="90000"/>
-              </a:lnSpc>
-              <a:spcBef>
-                <a:spcPts val="1417"/>
-              </a:spcBef>
-              <a:buNone/>
-            </a:pPr>
-            <a:endParaRPr b="0" lang="pt-BR" sz="2800" spc="-1" strike="noStrike">
-              <a:solidFill>
-                <a:srgbClr val="000000"/>
-              </a:solidFill>
+            <a:endParaRPr b="0" lang="pt-BR" sz="3200" spc="-1" strike="noStrike">
               <a:latin typeface="Arial"/>
             </a:endParaRPr>
           </a:p>
@@ -5528,10 +5009,10 @@
             <a:noAutofit/>
           </a:bodyPr>
           <a:p>
-            <a:endParaRPr b="0" lang="pt-BR" sz="1800" spc="-1" strike="noStrike">
-              <a:solidFill>
-                <a:srgbClr val="000000"/>
-              </a:solidFill>
+            <a:pPr algn="ctr">
+              <a:buNone/>
+            </a:pPr>
+            <a:endParaRPr b="0" lang="pt-BR" sz="4400" spc="-1" strike="noStrike">
               <a:latin typeface="Arial"/>
             </a:endParaRPr>
           </a:p>
@@ -5565,19 +5046,7 @@
             <a:normAutofit/>
           </a:bodyPr>
           <a:p>
-            <a:pPr>
-              <a:lnSpc>
-                <a:spcPct val="90000"/>
-              </a:lnSpc>
-              <a:spcBef>
-                <a:spcPts val="1417"/>
-              </a:spcBef>
-              <a:buNone/>
-            </a:pPr>
-            <a:endParaRPr b="0" lang="pt-BR" sz="2800" spc="-1" strike="noStrike">
-              <a:solidFill>
-                <a:srgbClr val="000000"/>
-              </a:solidFill>
+            <a:endParaRPr b="0" lang="pt-BR" sz="3200" spc="-1" strike="noStrike">
               <a:latin typeface="Arial"/>
             </a:endParaRPr>
           </a:p>
@@ -5611,19 +5080,7 @@
             <a:normAutofit/>
           </a:bodyPr>
           <a:p>
-            <a:pPr>
-              <a:lnSpc>
-                <a:spcPct val="90000"/>
-              </a:lnSpc>
-              <a:spcBef>
-                <a:spcPts val="1417"/>
-              </a:spcBef>
-              <a:buNone/>
-            </a:pPr>
-            <a:endParaRPr b="0" lang="pt-BR" sz="2800" spc="-1" strike="noStrike">
-              <a:solidFill>
-                <a:srgbClr val="000000"/>
-              </a:solidFill>
+            <a:endParaRPr b="0" lang="pt-BR" sz="3200" spc="-1" strike="noStrike">
               <a:latin typeface="Arial"/>
             </a:endParaRPr>
           </a:p>
@@ -5657,19 +5114,7 @@
             <a:normAutofit/>
           </a:bodyPr>
           <a:p>
-            <a:pPr>
-              <a:lnSpc>
-                <a:spcPct val="90000"/>
-              </a:lnSpc>
-              <a:spcBef>
-                <a:spcPts val="1417"/>
-              </a:spcBef>
-              <a:buNone/>
-            </a:pPr>
-            <a:endParaRPr b="0" lang="pt-BR" sz="2800" spc="-1" strike="noStrike">
-              <a:solidFill>
-                <a:srgbClr val="000000"/>
-              </a:solidFill>
+            <a:endParaRPr b="0" lang="pt-BR" sz="3200" spc="-1" strike="noStrike">
               <a:latin typeface="Arial"/>
             </a:endParaRPr>
           </a:p>
@@ -5725,10 +5170,10 @@
             <a:noAutofit/>
           </a:bodyPr>
           <a:p>
-            <a:endParaRPr b="0" lang="pt-BR" sz="1800" spc="-1" strike="noStrike">
-              <a:solidFill>
-                <a:srgbClr val="000000"/>
-              </a:solidFill>
+            <a:pPr algn="ctr">
+              <a:buNone/>
+            </a:pPr>
+            <a:endParaRPr b="0" lang="pt-BR" sz="4400" spc="-1" strike="noStrike">
               <a:latin typeface="Arial"/>
             </a:endParaRPr>
           </a:p>
@@ -5762,19 +5207,7 @@
             <a:normAutofit/>
           </a:bodyPr>
           <a:p>
-            <a:pPr>
-              <a:lnSpc>
-                <a:spcPct val="90000"/>
-              </a:lnSpc>
-              <a:spcBef>
-                <a:spcPts val="1417"/>
-              </a:spcBef>
-              <a:buNone/>
-            </a:pPr>
-            <a:endParaRPr b="0" lang="pt-BR" sz="2800" spc="-1" strike="noStrike">
-              <a:solidFill>
-                <a:srgbClr val="000000"/>
-              </a:solidFill>
+            <a:endParaRPr b="0" lang="pt-BR" sz="3200" spc="-1" strike="noStrike">
               <a:latin typeface="Arial"/>
             </a:endParaRPr>
           </a:p>
@@ -5808,19 +5241,7 @@
             <a:normAutofit/>
           </a:bodyPr>
           <a:p>
-            <a:pPr>
-              <a:lnSpc>
-                <a:spcPct val="90000"/>
-              </a:lnSpc>
-              <a:spcBef>
-                <a:spcPts val="1417"/>
-              </a:spcBef>
-              <a:buNone/>
-            </a:pPr>
-            <a:endParaRPr b="0" lang="pt-BR" sz="2800" spc="-1" strike="noStrike">
-              <a:solidFill>
-                <a:srgbClr val="000000"/>
-              </a:solidFill>
+            <a:endParaRPr b="0" lang="pt-BR" sz="3200" spc="-1" strike="noStrike">
               <a:latin typeface="Arial"/>
             </a:endParaRPr>
           </a:p>
@@ -5854,19 +5275,7 @@
             <a:normAutofit/>
           </a:bodyPr>
           <a:p>
-            <a:pPr>
-              <a:lnSpc>
-                <a:spcPct val="90000"/>
-              </a:lnSpc>
-              <a:spcBef>
-                <a:spcPts val="1417"/>
-              </a:spcBef>
-              <a:buNone/>
-            </a:pPr>
-            <a:endParaRPr b="0" lang="pt-BR" sz="2800" spc="-1" strike="noStrike">
-              <a:solidFill>
-                <a:srgbClr val="000000"/>
-              </a:solidFill>
+            <a:endParaRPr b="0" lang="pt-BR" sz="3200" spc="-1" strike="noStrike">
               <a:latin typeface="Arial"/>
             </a:endParaRPr>
           </a:p>
@@ -5922,10 +5331,10 @@
             <a:noAutofit/>
           </a:bodyPr>
           <a:p>
-            <a:endParaRPr b="0" lang="pt-BR" sz="1800" spc="-1" strike="noStrike">
-              <a:solidFill>
-                <a:srgbClr val="000000"/>
-              </a:solidFill>
+            <a:pPr algn="ctr">
+              <a:buNone/>
+            </a:pPr>
+            <a:endParaRPr b="0" lang="pt-BR" sz="4400" spc="-1" strike="noStrike">
               <a:latin typeface="Arial"/>
             </a:endParaRPr>
           </a:p>
@@ -5959,19 +5368,7 @@
             <a:normAutofit/>
           </a:bodyPr>
           <a:p>
-            <a:pPr>
-              <a:lnSpc>
-                <a:spcPct val="90000"/>
-              </a:lnSpc>
-              <a:spcBef>
-                <a:spcPts val="1417"/>
-              </a:spcBef>
-              <a:buNone/>
-            </a:pPr>
-            <a:endParaRPr b="0" lang="pt-BR" sz="2800" spc="-1" strike="noStrike">
-              <a:solidFill>
-                <a:srgbClr val="000000"/>
-              </a:solidFill>
+            <a:endParaRPr b="0" lang="pt-BR" sz="3200" spc="-1" strike="noStrike">
               <a:latin typeface="Arial"/>
             </a:endParaRPr>
           </a:p>
@@ -6005,19 +5402,7 @@
             <a:normAutofit/>
           </a:bodyPr>
           <a:p>
-            <a:pPr>
-              <a:lnSpc>
-                <a:spcPct val="90000"/>
-              </a:lnSpc>
-              <a:spcBef>
-                <a:spcPts val="1417"/>
-              </a:spcBef>
-              <a:buNone/>
-            </a:pPr>
-            <a:endParaRPr b="0" lang="pt-BR" sz="2800" spc="-1" strike="noStrike">
-              <a:solidFill>
-                <a:srgbClr val="000000"/>
-              </a:solidFill>
+            <a:endParaRPr b="0" lang="pt-BR" sz="3200" spc="-1" strike="noStrike">
               <a:latin typeface="Arial"/>
             </a:endParaRPr>
           </a:p>
@@ -6073,10 +5458,10 @@
             <a:noAutofit/>
           </a:bodyPr>
           <a:p>
-            <a:endParaRPr b="0" lang="pt-BR" sz="1800" spc="-1" strike="noStrike">
-              <a:solidFill>
-                <a:srgbClr val="000000"/>
-              </a:solidFill>
+            <a:pPr algn="ctr">
+              <a:buNone/>
+            </a:pPr>
+            <a:endParaRPr b="0" lang="pt-BR" sz="4400" spc="-1" strike="noStrike">
               <a:latin typeface="Arial"/>
             </a:endParaRPr>
           </a:p>
@@ -6110,19 +5495,7 @@
             <a:normAutofit/>
           </a:bodyPr>
           <a:p>
-            <a:pPr>
-              <a:lnSpc>
-                <a:spcPct val="90000"/>
-              </a:lnSpc>
-              <a:spcBef>
-                <a:spcPts val="1417"/>
-              </a:spcBef>
-              <a:buNone/>
-            </a:pPr>
-            <a:endParaRPr b="0" lang="pt-BR" sz="2800" spc="-1" strike="noStrike">
-              <a:solidFill>
-                <a:srgbClr val="000000"/>
-              </a:solidFill>
+            <a:endParaRPr b="0" lang="pt-BR" sz="3200" spc="-1" strike="noStrike">
               <a:latin typeface="Arial"/>
             </a:endParaRPr>
           </a:p>
@@ -6156,19 +5529,7 @@
             <a:normAutofit/>
           </a:bodyPr>
           <a:p>
-            <a:pPr>
-              <a:lnSpc>
-                <a:spcPct val="90000"/>
-              </a:lnSpc>
-              <a:spcBef>
-                <a:spcPts val="1417"/>
-              </a:spcBef>
-              <a:buNone/>
-            </a:pPr>
-            <a:endParaRPr b="0" lang="pt-BR" sz="2800" spc="-1" strike="noStrike">
-              <a:solidFill>
-                <a:srgbClr val="000000"/>
-              </a:solidFill>
+            <a:endParaRPr b="0" lang="pt-BR" sz="3200" spc="-1" strike="noStrike">
               <a:latin typeface="Arial"/>
             </a:endParaRPr>
           </a:p>
@@ -6202,19 +5563,7 @@
             <a:normAutofit/>
           </a:bodyPr>
           <a:p>
-            <a:pPr>
-              <a:lnSpc>
-                <a:spcPct val="90000"/>
-              </a:lnSpc>
-              <a:spcBef>
-                <a:spcPts val="1417"/>
-              </a:spcBef>
-              <a:buNone/>
-            </a:pPr>
-            <a:endParaRPr b="0" lang="pt-BR" sz="2800" spc="-1" strike="noStrike">
-              <a:solidFill>
-                <a:srgbClr val="000000"/>
-              </a:solidFill>
+            <a:endParaRPr b="0" lang="pt-BR" sz="3200" spc="-1" strike="noStrike">
               <a:latin typeface="Arial"/>
             </a:endParaRPr>
           </a:p>
@@ -6248,19 +5597,7 @@
             <a:normAutofit/>
           </a:bodyPr>
           <a:p>
-            <a:pPr>
-              <a:lnSpc>
-                <a:spcPct val="90000"/>
-              </a:lnSpc>
-              <a:spcBef>
-                <a:spcPts val="1417"/>
-              </a:spcBef>
-              <a:buNone/>
-            </a:pPr>
-            <a:endParaRPr b="0" lang="pt-BR" sz="2800" spc="-1" strike="noStrike">
-              <a:solidFill>
-                <a:srgbClr val="000000"/>
-              </a:solidFill>
+            <a:endParaRPr b="0" lang="pt-BR" sz="3200" spc="-1" strike="noStrike">
               <a:latin typeface="Arial"/>
             </a:endParaRPr>
           </a:p>
@@ -6316,10 +5653,10 @@
             <a:noAutofit/>
           </a:bodyPr>
           <a:p>
-            <a:endParaRPr b="0" lang="pt-BR" sz="1800" spc="-1" strike="noStrike">
-              <a:solidFill>
-                <a:srgbClr val="000000"/>
-              </a:solidFill>
+            <a:pPr algn="ctr">
+              <a:buNone/>
+            </a:pPr>
+            <a:endParaRPr b="0" lang="pt-BR" sz="4400" spc="-1" strike="noStrike">
               <a:latin typeface="Arial"/>
             </a:endParaRPr>
           </a:p>
@@ -6353,19 +5690,7 @@
             <a:normAutofit/>
           </a:bodyPr>
           <a:p>
-            <a:pPr>
-              <a:lnSpc>
-                <a:spcPct val="90000"/>
-              </a:lnSpc>
-              <a:spcBef>
-                <a:spcPts val="1417"/>
-              </a:spcBef>
-              <a:buNone/>
-            </a:pPr>
-            <a:endParaRPr b="0" lang="pt-BR" sz="2800" spc="-1" strike="noStrike">
-              <a:solidFill>
-                <a:srgbClr val="000000"/>
-              </a:solidFill>
+            <a:endParaRPr b="0" lang="pt-BR" sz="3200" spc="-1" strike="noStrike">
               <a:latin typeface="Arial"/>
             </a:endParaRPr>
           </a:p>
@@ -6399,19 +5724,7 @@
             <a:normAutofit/>
           </a:bodyPr>
           <a:p>
-            <a:pPr>
-              <a:lnSpc>
-                <a:spcPct val="90000"/>
-              </a:lnSpc>
-              <a:spcBef>
-                <a:spcPts val="1417"/>
-              </a:spcBef>
-              <a:buNone/>
-            </a:pPr>
-            <a:endParaRPr b="0" lang="pt-BR" sz="2800" spc="-1" strike="noStrike">
-              <a:solidFill>
-                <a:srgbClr val="000000"/>
-              </a:solidFill>
+            <a:endParaRPr b="0" lang="pt-BR" sz="3200" spc="-1" strike="noStrike">
               <a:latin typeface="Arial"/>
             </a:endParaRPr>
           </a:p>
@@ -6445,19 +5758,7 @@
             <a:normAutofit/>
           </a:bodyPr>
           <a:p>
-            <a:pPr>
-              <a:lnSpc>
-                <a:spcPct val="90000"/>
-              </a:lnSpc>
-              <a:spcBef>
-                <a:spcPts val="1417"/>
-              </a:spcBef>
-              <a:buNone/>
-            </a:pPr>
-            <a:endParaRPr b="0" lang="pt-BR" sz="2800" spc="-1" strike="noStrike">
-              <a:solidFill>
-                <a:srgbClr val="000000"/>
-              </a:solidFill>
+            <a:endParaRPr b="0" lang="pt-BR" sz="3200" spc="-1" strike="noStrike">
               <a:latin typeface="Arial"/>
             </a:endParaRPr>
           </a:p>
@@ -6491,19 +5792,7 @@
             <a:normAutofit/>
           </a:bodyPr>
           <a:p>
-            <a:pPr>
-              <a:lnSpc>
-                <a:spcPct val="90000"/>
-              </a:lnSpc>
-              <a:spcBef>
-                <a:spcPts val="1417"/>
-              </a:spcBef>
-              <a:buNone/>
-            </a:pPr>
-            <a:endParaRPr b="0" lang="pt-BR" sz="2800" spc="-1" strike="noStrike">
-              <a:solidFill>
-                <a:srgbClr val="000000"/>
-              </a:solidFill>
+            <a:endParaRPr b="0" lang="pt-BR" sz="3200" spc="-1" strike="noStrike">
               <a:latin typeface="Arial"/>
             </a:endParaRPr>
           </a:p>
@@ -6537,19 +5826,7 @@
             <a:normAutofit/>
           </a:bodyPr>
           <a:p>
-            <a:pPr>
-              <a:lnSpc>
-                <a:spcPct val="90000"/>
-              </a:lnSpc>
-              <a:spcBef>
-                <a:spcPts val="1417"/>
-              </a:spcBef>
-              <a:buNone/>
-            </a:pPr>
-            <a:endParaRPr b="0" lang="pt-BR" sz="2800" spc="-1" strike="noStrike">
-              <a:solidFill>
-                <a:srgbClr val="000000"/>
-              </a:solidFill>
+            <a:endParaRPr b="0" lang="pt-BR" sz="3200" spc="-1" strike="noStrike">
               <a:latin typeface="Arial"/>
             </a:endParaRPr>
           </a:p>
@@ -6583,19 +5860,7 @@
             <a:normAutofit/>
           </a:bodyPr>
           <a:p>
-            <a:pPr>
-              <a:lnSpc>
-                <a:spcPct val="90000"/>
-              </a:lnSpc>
-              <a:spcBef>
-                <a:spcPts val="1417"/>
-              </a:spcBef>
-              <a:buNone/>
-            </a:pPr>
-            <a:endParaRPr b="0" lang="pt-BR" sz="2800" spc="-1" strike="noStrike">
-              <a:solidFill>
-                <a:srgbClr val="000000"/>
-              </a:solidFill>
+            <a:endParaRPr b="0" lang="pt-BR" sz="3200" spc="-1" strike="noStrike">
               <a:latin typeface="Arial"/>
             </a:endParaRPr>
           </a:p>
@@ -6651,10 +5916,10 @@
             <a:noAutofit/>
           </a:bodyPr>
           <a:p>
-            <a:endParaRPr b="0" lang="pt-BR" sz="1800" spc="-1" strike="noStrike">
-              <a:solidFill>
-                <a:srgbClr val="000000"/>
-              </a:solidFill>
+            <a:pPr algn="ctr">
+              <a:buNone/>
+            </a:pPr>
+            <a:endParaRPr b="0" lang="pt-BR" sz="4400" spc="-1" strike="noStrike">
               <a:latin typeface="Arial"/>
             </a:endParaRPr>
           </a:p>
@@ -6688,19 +5953,7 @@
             <a:normAutofit/>
           </a:bodyPr>
           <a:p>
-            <a:pPr>
-              <a:lnSpc>
-                <a:spcPct val="90000"/>
-              </a:lnSpc>
-              <a:spcBef>
-                <a:spcPts val="1417"/>
-              </a:spcBef>
-              <a:buNone/>
-            </a:pPr>
-            <a:endParaRPr b="0" lang="pt-BR" sz="2800" spc="-1" strike="noStrike">
-              <a:solidFill>
-                <a:srgbClr val="000000"/>
-              </a:solidFill>
+            <a:endParaRPr b="0" lang="pt-BR" sz="3200" spc="-1" strike="noStrike">
               <a:latin typeface="Arial"/>
             </a:endParaRPr>
           </a:p>
@@ -6734,19 +5987,7 @@
             <a:normAutofit/>
           </a:bodyPr>
           <a:p>
-            <a:pPr>
-              <a:lnSpc>
-                <a:spcPct val="90000"/>
-              </a:lnSpc>
-              <a:spcBef>
-                <a:spcPts val="1417"/>
-              </a:spcBef>
-              <a:buNone/>
-            </a:pPr>
-            <a:endParaRPr b="0" lang="pt-BR" sz="2800" spc="-1" strike="noStrike">
-              <a:solidFill>
-                <a:srgbClr val="000000"/>
-              </a:solidFill>
+            <a:endParaRPr b="0" lang="pt-BR" sz="3200" spc="-1" strike="noStrike">
               <a:latin typeface="Arial"/>
             </a:endParaRPr>
           </a:p>
@@ -6802,10 +6043,10 @@
             <a:noAutofit/>
           </a:bodyPr>
           <a:p>
-            <a:endParaRPr b="0" lang="pt-BR" sz="1800" spc="-1" strike="noStrike">
-              <a:solidFill>
-                <a:srgbClr val="000000"/>
-              </a:solidFill>
+            <a:pPr algn="ctr">
+              <a:buNone/>
+            </a:pPr>
+            <a:endParaRPr b="0" lang="pt-BR" sz="4400" spc="-1" strike="noStrike">
               <a:latin typeface="Arial"/>
             </a:endParaRPr>
           </a:p>
@@ -6920,10 +6161,10 @@
             <a:noAutofit/>
           </a:bodyPr>
           <a:p>
-            <a:endParaRPr b="0" lang="pt-BR" sz="1800" spc="-1" strike="noStrike">
-              <a:solidFill>
-                <a:srgbClr val="000000"/>
-              </a:solidFill>
+            <a:pPr algn="ctr">
+              <a:buNone/>
+            </a:pPr>
+            <a:endParaRPr b="0" lang="pt-BR" sz="4400" spc="-1" strike="noStrike">
               <a:latin typeface="Arial"/>
             </a:endParaRPr>
           </a:p>
@@ -6957,19 +6198,7 @@
             <a:normAutofit/>
           </a:bodyPr>
           <a:p>
-            <a:pPr>
-              <a:lnSpc>
-                <a:spcPct val="90000"/>
-              </a:lnSpc>
-              <a:spcBef>
-                <a:spcPts val="1417"/>
-              </a:spcBef>
-              <a:buNone/>
-            </a:pPr>
-            <a:endParaRPr b="0" lang="pt-BR" sz="2800" spc="-1" strike="noStrike">
-              <a:solidFill>
-                <a:srgbClr val="000000"/>
-              </a:solidFill>
+            <a:endParaRPr b="0" lang="pt-BR" sz="3200" spc="-1" strike="noStrike">
               <a:latin typeface="Arial"/>
             </a:endParaRPr>
           </a:p>
@@ -7003,19 +6232,7 @@
             <a:normAutofit/>
           </a:bodyPr>
           <a:p>
-            <a:pPr>
-              <a:lnSpc>
-                <a:spcPct val="90000"/>
-              </a:lnSpc>
-              <a:spcBef>
-                <a:spcPts val="1417"/>
-              </a:spcBef>
-              <a:buNone/>
-            </a:pPr>
-            <a:endParaRPr b="0" lang="pt-BR" sz="2800" spc="-1" strike="noStrike">
-              <a:solidFill>
-                <a:srgbClr val="000000"/>
-              </a:solidFill>
+            <a:endParaRPr b="0" lang="pt-BR" sz="3200" spc="-1" strike="noStrike">
               <a:latin typeface="Arial"/>
             </a:endParaRPr>
           </a:p>
@@ -7049,19 +6266,7 @@
             <a:normAutofit/>
           </a:bodyPr>
           <a:p>
-            <a:pPr>
-              <a:lnSpc>
-                <a:spcPct val="90000"/>
-              </a:lnSpc>
-              <a:spcBef>
-                <a:spcPts val="1417"/>
-              </a:spcBef>
-              <a:buNone/>
-            </a:pPr>
-            <a:endParaRPr b="0" lang="pt-BR" sz="2800" spc="-1" strike="noStrike">
-              <a:solidFill>
-                <a:srgbClr val="000000"/>
-              </a:solidFill>
+            <a:endParaRPr b="0" lang="pt-BR" sz="3200" spc="-1" strike="noStrike">
               <a:latin typeface="Arial"/>
             </a:endParaRPr>
           </a:p>
@@ -7117,10 +6322,10 @@
             <a:noAutofit/>
           </a:bodyPr>
           <a:p>
-            <a:endParaRPr b="0" lang="pt-BR" sz="1800" spc="-1" strike="noStrike">
-              <a:solidFill>
-                <a:srgbClr val="000000"/>
-              </a:solidFill>
+            <a:pPr algn="ctr">
+              <a:buNone/>
+            </a:pPr>
+            <a:endParaRPr b="0" lang="pt-BR" sz="4400" spc="-1" strike="noStrike">
               <a:latin typeface="Arial"/>
             </a:endParaRPr>
           </a:p>
@@ -7154,19 +6359,7 @@
             <a:normAutofit/>
           </a:bodyPr>
           <a:p>
-            <a:pPr>
-              <a:lnSpc>
-                <a:spcPct val="90000"/>
-              </a:lnSpc>
-              <a:spcBef>
-                <a:spcPts val="1417"/>
-              </a:spcBef>
-              <a:buNone/>
-            </a:pPr>
-            <a:endParaRPr b="0" lang="pt-BR" sz="2800" spc="-1" strike="noStrike">
-              <a:solidFill>
-                <a:srgbClr val="000000"/>
-              </a:solidFill>
+            <a:endParaRPr b="0" lang="pt-BR" sz="3200" spc="-1" strike="noStrike">
               <a:latin typeface="Arial"/>
             </a:endParaRPr>
           </a:p>
@@ -7200,19 +6393,7 @@
             <a:normAutofit/>
           </a:bodyPr>
           <a:p>
-            <a:pPr>
-              <a:lnSpc>
-                <a:spcPct val="90000"/>
-              </a:lnSpc>
-              <a:spcBef>
-                <a:spcPts val="1417"/>
-              </a:spcBef>
-              <a:buNone/>
-            </a:pPr>
-            <a:endParaRPr b="0" lang="pt-BR" sz="2800" spc="-1" strike="noStrike">
-              <a:solidFill>
-                <a:srgbClr val="000000"/>
-              </a:solidFill>
+            <a:endParaRPr b="0" lang="pt-BR" sz="3200" spc="-1" strike="noStrike">
               <a:latin typeface="Arial"/>
             </a:endParaRPr>
           </a:p>
@@ -7246,19 +6427,7 @@
             <a:normAutofit/>
           </a:bodyPr>
           <a:p>
-            <a:pPr>
-              <a:lnSpc>
-                <a:spcPct val="90000"/>
-              </a:lnSpc>
-              <a:spcBef>
-                <a:spcPts val="1417"/>
-              </a:spcBef>
-              <a:buNone/>
-            </a:pPr>
-            <a:endParaRPr b="0" lang="pt-BR" sz="2800" spc="-1" strike="noStrike">
-              <a:solidFill>
-                <a:srgbClr val="000000"/>
-              </a:solidFill>
+            <a:endParaRPr b="0" lang="pt-BR" sz="3200" spc="-1" strike="noStrike">
               <a:latin typeface="Arial"/>
             </a:endParaRPr>
           </a:p>
@@ -7314,10 +6483,10 @@
             <a:noAutofit/>
           </a:bodyPr>
           <a:p>
-            <a:endParaRPr b="0" lang="pt-BR" sz="1800" spc="-1" strike="noStrike">
-              <a:solidFill>
-                <a:srgbClr val="000000"/>
-              </a:solidFill>
+            <a:pPr algn="ctr">
+              <a:buNone/>
+            </a:pPr>
+            <a:endParaRPr b="0" lang="pt-BR" sz="4400" spc="-1" strike="noStrike">
               <a:latin typeface="Arial"/>
             </a:endParaRPr>
           </a:p>
@@ -7351,19 +6520,7 @@
             <a:normAutofit/>
           </a:bodyPr>
           <a:p>
-            <a:pPr>
-              <a:lnSpc>
-                <a:spcPct val="90000"/>
-              </a:lnSpc>
-              <a:spcBef>
-                <a:spcPts val="1417"/>
-              </a:spcBef>
-              <a:buNone/>
-            </a:pPr>
-            <a:endParaRPr b="0" lang="pt-BR" sz="2800" spc="-1" strike="noStrike">
-              <a:solidFill>
-                <a:srgbClr val="000000"/>
-              </a:solidFill>
+            <a:endParaRPr b="0" lang="pt-BR" sz="3200" spc="-1" strike="noStrike">
               <a:latin typeface="Arial"/>
             </a:endParaRPr>
           </a:p>
@@ -7397,19 +6554,7 @@
             <a:normAutofit/>
           </a:bodyPr>
           <a:p>
-            <a:pPr>
-              <a:lnSpc>
-                <a:spcPct val="90000"/>
-              </a:lnSpc>
-              <a:spcBef>
-                <a:spcPts val="1417"/>
-              </a:spcBef>
-              <a:buNone/>
-            </a:pPr>
-            <a:endParaRPr b="0" lang="pt-BR" sz="2800" spc="-1" strike="noStrike">
-              <a:solidFill>
-                <a:srgbClr val="000000"/>
-              </a:solidFill>
+            <a:endParaRPr b="0" lang="pt-BR" sz="3200" spc="-1" strike="noStrike">
               <a:latin typeface="Arial"/>
             </a:endParaRPr>
           </a:p>
@@ -7443,19 +6588,7 @@
             <a:normAutofit/>
           </a:bodyPr>
           <a:p>
-            <a:pPr>
-              <a:lnSpc>
-                <a:spcPct val="90000"/>
-              </a:lnSpc>
-              <a:spcBef>
-                <a:spcPts val="1417"/>
-              </a:spcBef>
-              <a:buNone/>
-            </a:pPr>
-            <a:endParaRPr b="0" lang="pt-BR" sz="2800" spc="-1" strike="noStrike">
-              <a:solidFill>
-                <a:srgbClr val="000000"/>
-              </a:solidFill>
+            <a:endParaRPr b="0" lang="pt-BR" sz="3200" spc="-1" strike="noStrike">
               <a:latin typeface="Arial"/>
             </a:endParaRPr>
           </a:p>
@@ -7499,7 +6632,7 @@
         <p:spPr>
           <a:xfrm>
             <a:off x="0" y="3150000"/>
-            <a:ext cx="9712080" cy="1252080"/>
+            <a:ext cx="9711720" cy="1251720"/>
           </a:xfrm>
           <a:prstGeom prst="rect">
             <a:avLst/>
@@ -7531,7 +6664,7 @@
         <p:spPr>
           <a:xfrm>
             <a:off x="504000" y="301320"/>
-            <a:ext cx="9071640" cy="1261440"/>
+            <a:ext cx="9072000" cy="1261800"/>
           </a:xfrm>
           <a:prstGeom prst="rect">
             <a:avLst/>
@@ -7546,19 +6679,16 @@
             <a:noAutofit/>
           </a:bodyPr>
           <a:p>
+            <a:pPr algn="ctr">
+              <a:buNone/>
+            </a:pPr>
             <a:r>
               <a:rPr b="0" lang="pt-BR" sz="4400" spc="-1" strike="noStrike">
-                <a:solidFill>
-                  <a:srgbClr val="000000"/>
-                </a:solidFill>
                 <a:latin typeface="Arial"/>
               </a:rPr>
               <a:t>Click to edit the title text format</a:t>
             </a:r>
             <a:endParaRPr b="0" lang="pt-BR" sz="4400" spc="-1" strike="noStrike">
-              <a:solidFill>
-                <a:srgbClr val="000000"/>
-              </a:solidFill>
               <a:latin typeface="Arial"/>
             </a:endParaRPr>
           </a:p>
@@ -7577,7 +6707,7 @@
         <p:spPr>
           <a:xfrm>
             <a:off x="504000" y="1768680"/>
-            <a:ext cx="9071640" cy="4383720"/>
+            <a:ext cx="9072000" cy="4384080"/>
           </a:xfrm>
           <a:prstGeom prst="rect">
             <a:avLst/>
@@ -7593,9 +6723,6 @@
           </a:bodyPr>
           <a:p>
             <a:pPr marL="432000" indent="-324000">
-              <a:lnSpc>
-                <a:spcPct val="90000"/>
-              </a:lnSpc>
               <a:spcBef>
                 <a:spcPts val="1417"/>
               </a:spcBef>
@@ -7607,26 +6734,17 @@
               <a:buChar char=""/>
             </a:pPr>
             <a:r>
-              <a:rPr b="0" lang="pt-BR" sz="2800" spc="-1" strike="noStrike">
-                <a:solidFill>
-                  <a:srgbClr val="000000"/>
-                </a:solidFill>
+              <a:rPr b="0" lang="pt-BR" sz="3200" spc="-1" strike="noStrike">
                 <a:latin typeface="Arial"/>
               </a:rPr>
               <a:t>Click to edit the outline text format</a:t>
             </a:r>
-            <a:endParaRPr b="0" lang="pt-BR" sz="2800" spc="-1" strike="noStrike">
-              <a:solidFill>
-                <a:srgbClr val="000000"/>
-              </a:solidFill>
+            <a:endParaRPr b="0" lang="pt-BR" sz="3200" spc="-1" strike="noStrike">
               <a:latin typeface="Arial"/>
             </a:endParaRPr>
           </a:p>
           <a:p>
             <a:pPr lvl="1" marL="864000" indent="-324000">
-              <a:lnSpc>
-                <a:spcPct val="90000"/>
-              </a:lnSpc>
               <a:spcBef>
                 <a:spcPts val="1134"/>
               </a:spcBef>
@@ -7639,25 +6757,16 @@
             </a:pPr>
             <a:r>
               <a:rPr b="0" lang="pt-BR" sz="2800" spc="-1" strike="noStrike">
-                <a:solidFill>
-                  <a:srgbClr val="000000"/>
-                </a:solidFill>
                 <a:latin typeface="Arial"/>
               </a:rPr>
               <a:t>Second Outline Level</a:t>
             </a:r>
             <a:endParaRPr b="0" lang="pt-BR" sz="2800" spc="-1" strike="noStrike">
-              <a:solidFill>
-                <a:srgbClr val="000000"/>
-              </a:solidFill>
               <a:latin typeface="Arial"/>
             </a:endParaRPr>
           </a:p>
           <a:p>
             <a:pPr lvl="2" marL="1296000" indent="-288000">
-              <a:lnSpc>
-                <a:spcPct val="90000"/>
-              </a:lnSpc>
               <a:spcBef>
                 <a:spcPts val="850"/>
               </a:spcBef>
@@ -7669,26 +6778,17 @@
               <a:buChar char=""/>
             </a:pPr>
             <a:r>
-              <a:rPr b="0" lang="pt-BR" sz="2800" spc="-1" strike="noStrike">
-                <a:solidFill>
-                  <a:srgbClr val="000000"/>
-                </a:solidFill>
+              <a:rPr b="0" lang="pt-BR" sz="2400" spc="-1" strike="noStrike">
                 <a:latin typeface="Arial"/>
               </a:rPr>
               <a:t>Third Outline Level</a:t>
             </a:r>
-            <a:endParaRPr b="0" lang="pt-BR" sz="2800" spc="-1" strike="noStrike">
-              <a:solidFill>
-                <a:srgbClr val="000000"/>
-              </a:solidFill>
+            <a:endParaRPr b="0" lang="pt-BR" sz="2400" spc="-1" strike="noStrike">
               <a:latin typeface="Arial"/>
             </a:endParaRPr>
           </a:p>
           <a:p>
             <a:pPr lvl="3" marL="1728000" indent="-216000">
-              <a:lnSpc>
-                <a:spcPct val="90000"/>
-              </a:lnSpc>
               <a:spcBef>
                 <a:spcPts val="567"/>
               </a:spcBef>
@@ -7700,26 +6800,17 @@
               <a:buChar char=""/>
             </a:pPr>
             <a:r>
-              <a:rPr b="0" lang="pt-BR" sz="2800" spc="-1" strike="noStrike">
-                <a:solidFill>
-                  <a:srgbClr val="000000"/>
-                </a:solidFill>
+              <a:rPr b="0" lang="pt-BR" sz="2000" spc="-1" strike="noStrike">
                 <a:latin typeface="Arial"/>
               </a:rPr>
               <a:t>Fourth Outline Level</a:t>
             </a:r>
-            <a:endParaRPr b="0" lang="pt-BR" sz="2800" spc="-1" strike="noStrike">
-              <a:solidFill>
-                <a:srgbClr val="000000"/>
-              </a:solidFill>
+            <a:endParaRPr b="0" lang="pt-BR" sz="2000" spc="-1" strike="noStrike">
               <a:latin typeface="Arial"/>
             </a:endParaRPr>
           </a:p>
           <a:p>
             <a:pPr lvl="4" marL="2160000" indent="-216000">
-              <a:lnSpc>
-                <a:spcPct val="90000"/>
-              </a:lnSpc>
               <a:spcBef>
                 <a:spcPts val="283"/>
               </a:spcBef>
@@ -7731,26 +6822,17 @@
               <a:buChar char=""/>
             </a:pPr>
             <a:r>
-              <a:rPr b="0" lang="pt-BR" sz="2800" spc="-1" strike="noStrike">
-                <a:solidFill>
-                  <a:srgbClr val="000000"/>
-                </a:solidFill>
+              <a:rPr b="0" lang="pt-BR" sz="2000" spc="-1" strike="noStrike">
                 <a:latin typeface="Arial"/>
               </a:rPr>
               <a:t>Fifth Outline Level</a:t>
             </a:r>
-            <a:endParaRPr b="0" lang="pt-BR" sz="2800" spc="-1" strike="noStrike">
-              <a:solidFill>
-                <a:srgbClr val="000000"/>
-              </a:solidFill>
+            <a:endParaRPr b="0" lang="pt-BR" sz="2000" spc="-1" strike="noStrike">
               <a:latin typeface="Arial"/>
             </a:endParaRPr>
           </a:p>
           <a:p>
             <a:pPr lvl="5" marL="2592000" indent="-216000">
-              <a:lnSpc>
-                <a:spcPct val="90000"/>
-              </a:lnSpc>
               <a:spcBef>
                 <a:spcPts val="283"/>
               </a:spcBef>
@@ -7762,26 +6844,17 @@
               <a:buChar char=""/>
             </a:pPr>
             <a:r>
-              <a:rPr b="0" lang="pt-BR" sz="2800" spc="-1" strike="noStrike">
-                <a:solidFill>
-                  <a:srgbClr val="000000"/>
-                </a:solidFill>
+              <a:rPr b="0" lang="pt-BR" sz="2000" spc="-1" strike="noStrike">
                 <a:latin typeface="Arial"/>
               </a:rPr>
               <a:t>Sixth Outline Level</a:t>
             </a:r>
-            <a:endParaRPr b="0" lang="pt-BR" sz="2800" spc="-1" strike="noStrike">
-              <a:solidFill>
-                <a:srgbClr val="000000"/>
-              </a:solidFill>
+            <a:endParaRPr b="0" lang="pt-BR" sz="2000" spc="-1" strike="noStrike">
               <a:latin typeface="Arial"/>
             </a:endParaRPr>
           </a:p>
           <a:p>
             <a:pPr lvl="6" marL="3024000" indent="-216000">
-              <a:lnSpc>
-                <a:spcPct val="90000"/>
-              </a:lnSpc>
               <a:spcBef>
                 <a:spcPts val="283"/>
               </a:spcBef>
@@ -7793,18 +6866,12 @@
               <a:buChar char=""/>
             </a:pPr>
             <a:r>
-              <a:rPr b="0" lang="pt-BR" sz="2800" spc="-1" strike="noStrike">
-                <a:solidFill>
-                  <a:srgbClr val="000000"/>
-                </a:solidFill>
+              <a:rPr b="0" lang="pt-BR" sz="2000" spc="-1" strike="noStrike">
                 <a:latin typeface="Arial"/>
               </a:rPr>
               <a:t>Seventh Outline Level</a:t>
             </a:r>
-            <a:endParaRPr b="0" lang="pt-BR" sz="2800" spc="-1" strike="noStrike">
-              <a:solidFill>
-                <a:srgbClr val="000000"/>
-              </a:solidFill>
+            <a:endParaRPr b="0" lang="pt-BR" sz="2000" spc="-1" strike="noStrike">
               <a:latin typeface="Arial"/>
             </a:endParaRPr>
           </a:p>
@@ -7863,7 +6930,7 @@
         <p:spPr>
           <a:xfrm>
             <a:off x="0" y="180000"/>
-            <a:ext cx="9711720" cy="1251720"/>
+            <a:ext cx="9711360" cy="1251360"/>
           </a:xfrm>
           <a:prstGeom prst="rect">
             <a:avLst/>
@@ -7891,7 +6958,7 @@
         <p:spPr>
           <a:xfrm>
             <a:off x="7560000" y="6840000"/>
-            <a:ext cx="2511720" cy="531720"/>
+            <a:ext cx="2511360" cy="531360"/>
           </a:xfrm>
           <a:prstGeom prst="rect">
             <a:avLst/>
@@ -7919,7 +6986,7 @@
         <p:spPr>
           <a:xfrm>
             <a:off x="900000" y="6840000"/>
-            <a:ext cx="6471720" cy="531720"/>
+            <a:ext cx="6471360" cy="531360"/>
           </a:xfrm>
           <a:prstGeom prst="rect">
             <a:avLst/>
@@ -7947,7 +7014,7 @@
         <p:spPr>
           <a:xfrm>
             <a:off x="180000" y="6840000"/>
-            <a:ext cx="531720" cy="531720"/>
+            <a:ext cx="531360" cy="531360"/>
           </a:xfrm>
           <a:prstGeom prst="rect">
             <a:avLst/>
@@ -7993,18 +7060,12 @@
           </a:bodyPr>
           <a:p>
             <a:r>
-              <a:rPr b="0" lang="pt-BR" sz="4400" spc="-1" strike="noStrike">
-                <a:solidFill>
-                  <a:srgbClr val="000000"/>
-                </a:solidFill>
+              <a:rPr b="0" lang="pt-BR" sz="1800" spc="-1" strike="noStrike">
                 <a:latin typeface="Arial"/>
               </a:rPr>
               <a:t>Click to edit the title text format</a:t>
             </a:r>
-            <a:endParaRPr b="0" lang="pt-BR" sz="4400" spc="-1" strike="noStrike">
-              <a:solidFill>
-                <a:srgbClr val="000000"/>
-              </a:solidFill>
+            <a:endParaRPr b="0" lang="pt-BR" sz="1800" spc="-1" strike="noStrike">
               <a:latin typeface="Arial"/>
             </a:endParaRPr>
           </a:p>
@@ -8023,7 +7084,7 @@
         <p:spPr>
           <a:xfrm>
             <a:off x="504000" y="1768680"/>
-            <a:ext cx="9072000" cy="4384080"/>
+            <a:ext cx="9071640" cy="4383720"/>
           </a:xfrm>
           <a:prstGeom prst="rect">
             <a:avLst/>
@@ -8039,9 +7100,6 @@
           </a:bodyPr>
           <a:p>
             <a:pPr marL="432000" indent="-324000">
-              <a:lnSpc>
-                <a:spcPct val="90000"/>
-              </a:lnSpc>
               <a:spcBef>
                 <a:spcPts val="1417"/>
               </a:spcBef>
@@ -8053,26 +7111,17 @@
               <a:buChar char=""/>
             </a:pPr>
             <a:r>
-              <a:rPr b="0" lang="pt-BR" sz="2800" spc="-1" strike="noStrike">
-                <a:solidFill>
-                  <a:srgbClr val="000000"/>
-                </a:solidFill>
+              <a:rPr b="0" lang="pt-BR" sz="1800" spc="-1" strike="noStrike">
                 <a:latin typeface="Arial"/>
               </a:rPr>
               <a:t>Click to edit the outline text format</a:t>
             </a:r>
-            <a:endParaRPr b="0" lang="pt-BR" sz="2800" spc="-1" strike="noStrike">
-              <a:solidFill>
-                <a:srgbClr val="000000"/>
-              </a:solidFill>
+            <a:endParaRPr b="0" lang="pt-BR" sz="1800" spc="-1" strike="noStrike">
               <a:latin typeface="Arial"/>
             </a:endParaRPr>
           </a:p>
           <a:p>
             <a:pPr lvl="1" marL="864000" indent="-324000">
-              <a:lnSpc>
-                <a:spcPct val="90000"/>
-              </a:lnSpc>
               <a:spcBef>
                 <a:spcPts val="1134"/>
               </a:spcBef>
@@ -8084,26 +7133,17 @@
               <a:buChar char=""/>
             </a:pPr>
             <a:r>
-              <a:rPr b="0" lang="pt-BR" sz="2000" spc="-1" strike="noStrike">
-                <a:solidFill>
-                  <a:srgbClr val="000000"/>
-                </a:solidFill>
+              <a:rPr b="0" lang="pt-BR" sz="1800" spc="-1" strike="noStrike">
                 <a:latin typeface="Arial"/>
               </a:rPr>
               <a:t>Second Outline Level</a:t>
             </a:r>
-            <a:endParaRPr b="0" lang="pt-BR" sz="2000" spc="-1" strike="noStrike">
-              <a:solidFill>
-                <a:srgbClr val="000000"/>
-              </a:solidFill>
+            <a:endParaRPr b="0" lang="pt-BR" sz="1800" spc="-1" strike="noStrike">
               <a:latin typeface="Arial"/>
             </a:endParaRPr>
           </a:p>
           <a:p>
             <a:pPr lvl="2" marL="1296000" indent="-288000">
-              <a:lnSpc>
-                <a:spcPct val="90000"/>
-              </a:lnSpc>
               <a:spcBef>
                 <a:spcPts val="850"/>
               </a:spcBef>
@@ -8116,25 +7156,16 @@
             </a:pPr>
             <a:r>
               <a:rPr b="0" lang="pt-BR" sz="1800" spc="-1" strike="noStrike">
-                <a:solidFill>
-                  <a:srgbClr val="000000"/>
-                </a:solidFill>
                 <a:latin typeface="Arial"/>
               </a:rPr>
               <a:t>Third Outline Level</a:t>
             </a:r>
             <a:endParaRPr b="0" lang="pt-BR" sz="1800" spc="-1" strike="noStrike">
-              <a:solidFill>
-                <a:srgbClr val="000000"/>
-              </a:solidFill>
               <a:latin typeface="Arial"/>
             </a:endParaRPr>
           </a:p>
           <a:p>
             <a:pPr lvl="3" marL="1728000" indent="-216000">
-              <a:lnSpc>
-                <a:spcPct val="90000"/>
-              </a:lnSpc>
               <a:spcBef>
                 <a:spcPts val="567"/>
               </a:spcBef>
@@ -8147,25 +7178,16 @@
             </a:pPr>
             <a:r>
               <a:rPr b="0" lang="pt-BR" sz="1800" spc="-1" strike="noStrike">
-                <a:solidFill>
-                  <a:srgbClr val="000000"/>
-                </a:solidFill>
                 <a:latin typeface="Arial"/>
               </a:rPr>
               <a:t>Fourth Outline Level</a:t>
             </a:r>
             <a:endParaRPr b="0" lang="pt-BR" sz="1800" spc="-1" strike="noStrike">
-              <a:solidFill>
-                <a:srgbClr val="000000"/>
-              </a:solidFill>
               <a:latin typeface="Arial"/>
             </a:endParaRPr>
           </a:p>
           <a:p>
             <a:pPr lvl="4" marL="2160000" indent="-216000">
-              <a:lnSpc>
-                <a:spcPct val="90000"/>
-              </a:lnSpc>
               <a:spcBef>
                 <a:spcPts val="283"/>
               </a:spcBef>
@@ -8177,26 +7199,17 @@
               <a:buChar char=""/>
             </a:pPr>
             <a:r>
-              <a:rPr b="0" lang="pt-BR" sz="2000" spc="-1" strike="noStrike">
-                <a:solidFill>
-                  <a:srgbClr val="000000"/>
-                </a:solidFill>
+              <a:rPr b="0" lang="pt-BR" sz="1800" spc="-1" strike="noStrike">
                 <a:latin typeface="Arial"/>
               </a:rPr>
               <a:t>Fifth Outline Level</a:t>
             </a:r>
-            <a:endParaRPr b="0" lang="pt-BR" sz="2000" spc="-1" strike="noStrike">
-              <a:solidFill>
-                <a:srgbClr val="000000"/>
-              </a:solidFill>
+            <a:endParaRPr b="0" lang="pt-BR" sz="1800" spc="-1" strike="noStrike">
               <a:latin typeface="Arial"/>
             </a:endParaRPr>
           </a:p>
           <a:p>
             <a:pPr lvl="5" marL="2592000" indent="-216000">
-              <a:lnSpc>
-                <a:spcPct val="90000"/>
-              </a:lnSpc>
               <a:spcBef>
                 <a:spcPts val="283"/>
               </a:spcBef>
@@ -8208,26 +7221,17 @@
               <a:buChar char=""/>
             </a:pPr>
             <a:r>
-              <a:rPr b="0" lang="pt-BR" sz="2000" spc="-1" strike="noStrike">
-                <a:solidFill>
-                  <a:srgbClr val="000000"/>
-                </a:solidFill>
+              <a:rPr b="0" lang="pt-BR" sz="1800" spc="-1" strike="noStrike">
                 <a:latin typeface="Arial"/>
               </a:rPr>
               <a:t>Sixth Outline Level</a:t>
             </a:r>
-            <a:endParaRPr b="0" lang="pt-BR" sz="2000" spc="-1" strike="noStrike">
-              <a:solidFill>
-                <a:srgbClr val="000000"/>
-              </a:solidFill>
+            <a:endParaRPr b="0" lang="pt-BR" sz="1800" spc="-1" strike="noStrike">
               <a:latin typeface="Arial"/>
             </a:endParaRPr>
           </a:p>
           <a:p>
             <a:pPr lvl="6" marL="3024000" indent="-216000">
-              <a:lnSpc>
-                <a:spcPct val="90000"/>
-              </a:lnSpc>
               <a:spcBef>
                 <a:spcPts val="283"/>
               </a:spcBef>
@@ -8239,18 +7243,12 @@
               <a:buChar char=""/>
             </a:pPr>
             <a:r>
-              <a:rPr b="0" lang="pt-BR" sz="2000" spc="-1" strike="noStrike">
-                <a:solidFill>
-                  <a:srgbClr val="000000"/>
-                </a:solidFill>
+              <a:rPr b="0" lang="pt-BR" sz="1800" spc="-1" strike="noStrike">
                 <a:latin typeface="Arial"/>
               </a:rPr>
               <a:t>Seventh Outline Level</a:t>
             </a:r>
-            <a:endParaRPr b="0" lang="pt-BR" sz="2000" spc="-1" strike="noStrike">
-              <a:solidFill>
-                <a:srgbClr val="000000"/>
-              </a:solidFill>
+            <a:endParaRPr b="0" lang="pt-BR" sz="1800" spc="-1" strike="noStrike">
               <a:latin typeface="Arial"/>
             </a:endParaRPr>
           </a:p>
@@ -8309,7 +7307,7 @@
         <p:spPr>
           <a:xfrm>
             <a:off x="0" y="180000"/>
-            <a:ext cx="9712080" cy="1252080"/>
+            <a:ext cx="9711720" cy="1251720"/>
           </a:xfrm>
           <a:prstGeom prst="rect">
             <a:avLst/>
@@ -8337,7 +7335,7 @@
         <p:spPr>
           <a:xfrm>
             <a:off x="7560000" y="6840000"/>
-            <a:ext cx="2512080" cy="532080"/>
+            <a:ext cx="2511720" cy="531720"/>
           </a:xfrm>
           <a:prstGeom prst="rect">
             <a:avLst/>
@@ -8365,7 +7363,7 @@
         <p:spPr>
           <a:xfrm>
             <a:off x="900000" y="6840000"/>
-            <a:ext cx="6472080" cy="532080"/>
+            <a:ext cx="6471720" cy="531720"/>
           </a:xfrm>
           <a:prstGeom prst="rect">
             <a:avLst/>
@@ -8393,7 +7391,7 @@
         <p:spPr>
           <a:xfrm>
             <a:off x="180000" y="6840000"/>
-            <a:ext cx="532080" cy="532080"/>
+            <a:ext cx="531720" cy="531720"/>
           </a:xfrm>
           <a:prstGeom prst="rect">
             <a:avLst/>
@@ -8438,19 +7436,16 @@
             <a:noAutofit/>
           </a:bodyPr>
           <a:p>
+            <a:pPr algn="ctr">
+              <a:buNone/>
+            </a:pPr>
             <a:r>
-              <a:rPr b="0" lang="pt-BR" sz="1800" spc="-1" strike="noStrike">
-                <a:solidFill>
-                  <a:srgbClr val="000000"/>
-                </a:solidFill>
+              <a:rPr b="0" lang="pt-BR" sz="4400" spc="-1" strike="noStrike">
                 <a:latin typeface="Arial"/>
               </a:rPr>
               <a:t>Click to edit the title text format</a:t>
             </a:r>
-            <a:endParaRPr b="0" lang="pt-BR" sz="1800" spc="-1" strike="noStrike">
-              <a:solidFill>
-                <a:srgbClr val="000000"/>
-              </a:solidFill>
+            <a:endParaRPr b="0" lang="pt-BR" sz="4400" spc="-1" strike="noStrike">
               <a:latin typeface="Arial"/>
             </a:endParaRPr>
           </a:p>
@@ -8485,9 +7480,6 @@
           </a:bodyPr>
           <a:p>
             <a:pPr marL="432000" indent="-324000">
-              <a:lnSpc>
-                <a:spcPct val="90000"/>
-              </a:lnSpc>
               <a:spcBef>
                 <a:spcPts val="1417"/>
               </a:spcBef>
@@ -8499,26 +7491,17 @@
               <a:buChar char=""/>
             </a:pPr>
             <a:r>
-              <a:rPr b="0" lang="pt-BR" sz="2800" spc="-1" strike="noStrike">
-                <a:solidFill>
-                  <a:srgbClr val="000000"/>
-                </a:solidFill>
+              <a:rPr b="0" lang="pt-BR" sz="3200" spc="-1" strike="noStrike">
                 <a:latin typeface="Arial"/>
               </a:rPr>
               <a:t>Click to edit the outline text format</a:t>
             </a:r>
-            <a:endParaRPr b="0" lang="pt-BR" sz="2800" spc="-1" strike="noStrike">
-              <a:solidFill>
-                <a:srgbClr val="000000"/>
-              </a:solidFill>
+            <a:endParaRPr b="0" lang="pt-BR" sz="3200" spc="-1" strike="noStrike">
               <a:latin typeface="Arial"/>
             </a:endParaRPr>
           </a:p>
           <a:p>
             <a:pPr lvl="1" marL="864000" indent="-324000">
-              <a:lnSpc>
-                <a:spcPct val="90000"/>
-              </a:lnSpc>
               <a:spcBef>
                 <a:spcPts val="1134"/>
               </a:spcBef>
@@ -8530,26 +7513,17 @@
               <a:buChar char=""/>
             </a:pPr>
             <a:r>
-              <a:rPr b="0" lang="pt-BR" sz="2000" spc="-1" strike="noStrike">
-                <a:solidFill>
-                  <a:srgbClr val="000000"/>
-                </a:solidFill>
+              <a:rPr b="0" lang="pt-BR" sz="2800" spc="-1" strike="noStrike">
                 <a:latin typeface="Arial"/>
               </a:rPr>
               <a:t>Second Outline Level</a:t>
             </a:r>
-            <a:endParaRPr b="0" lang="pt-BR" sz="2000" spc="-1" strike="noStrike">
-              <a:solidFill>
-                <a:srgbClr val="000000"/>
-              </a:solidFill>
+            <a:endParaRPr b="0" lang="pt-BR" sz="2800" spc="-1" strike="noStrike">
               <a:latin typeface="Arial"/>
             </a:endParaRPr>
           </a:p>
           <a:p>
             <a:pPr lvl="2" marL="1296000" indent="-288000">
-              <a:lnSpc>
-                <a:spcPct val="90000"/>
-              </a:lnSpc>
               <a:spcBef>
                 <a:spcPts val="850"/>
               </a:spcBef>
@@ -8561,26 +7535,17 @@
               <a:buChar char=""/>
             </a:pPr>
             <a:r>
-              <a:rPr b="0" lang="pt-BR" sz="1800" spc="-1" strike="noStrike">
-                <a:solidFill>
-                  <a:srgbClr val="000000"/>
-                </a:solidFill>
+              <a:rPr b="0" lang="pt-BR" sz="2400" spc="-1" strike="noStrike">
                 <a:latin typeface="Arial"/>
               </a:rPr>
               <a:t>Third Outline Level</a:t>
             </a:r>
-            <a:endParaRPr b="0" lang="pt-BR" sz="1800" spc="-1" strike="noStrike">
-              <a:solidFill>
-                <a:srgbClr val="000000"/>
-              </a:solidFill>
+            <a:endParaRPr b="0" lang="pt-BR" sz="2400" spc="-1" strike="noStrike">
               <a:latin typeface="Arial"/>
             </a:endParaRPr>
           </a:p>
           <a:p>
             <a:pPr lvl="3" marL="1728000" indent="-216000">
-              <a:lnSpc>
-                <a:spcPct val="90000"/>
-              </a:lnSpc>
               <a:spcBef>
                 <a:spcPts val="567"/>
               </a:spcBef>
@@ -8592,26 +7557,17 @@
               <a:buChar char=""/>
             </a:pPr>
             <a:r>
-              <a:rPr b="0" lang="pt-BR" sz="1800" spc="-1" strike="noStrike">
-                <a:solidFill>
-                  <a:srgbClr val="000000"/>
-                </a:solidFill>
+              <a:rPr b="0" lang="pt-BR" sz="2000" spc="-1" strike="noStrike">
                 <a:latin typeface="Arial"/>
               </a:rPr>
               <a:t>Fourth Outline Level</a:t>
             </a:r>
-            <a:endParaRPr b="0" lang="pt-BR" sz="1800" spc="-1" strike="noStrike">
-              <a:solidFill>
-                <a:srgbClr val="000000"/>
-              </a:solidFill>
+            <a:endParaRPr b="0" lang="pt-BR" sz="2000" spc="-1" strike="noStrike">
               <a:latin typeface="Arial"/>
             </a:endParaRPr>
           </a:p>
           <a:p>
             <a:pPr lvl="4" marL="2160000" indent="-216000">
-              <a:lnSpc>
-                <a:spcPct val="90000"/>
-              </a:lnSpc>
               <a:spcBef>
                 <a:spcPts val="283"/>
               </a:spcBef>
@@ -8624,25 +7580,16 @@
             </a:pPr>
             <a:r>
               <a:rPr b="0" lang="pt-BR" sz="2000" spc="-1" strike="noStrike">
-                <a:solidFill>
-                  <a:srgbClr val="000000"/>
-                </a:solidFill>
                 <a:latin typeface="Arial"/>
               </a:rPr>
               <a:t>Fifth Outline Level</a:t>
             </a:r>
             <a:endParaRPr b="0" lang="pt-BR" sz="2000" spc="-1" strike="noStrike">
-              <a:solidFill>
-                <a:srgbClr val="000000"/>
-              </a:solidFill>
               <a:latin typeface="Arial"/>
             </a:endParaRPr>
           </a:p>
           <a:p>
             <a:pPr lvl="5" marL="2592000" indent="-216000">
-              <a:lnSpc>
-                <a:spcPct val="90000"/>
-              </a:lnSpc>
               <a:spcBef>
                 <a:spcPts val="283"/>
               </a:spcBef>
@@ -8655,25 +7602,16 @@
             </a:pPr>
             <a:r>
               <a:rPr b="0" lang="pt-BR" sz="2000" spc="-1" strike="noStrike">
-                <a:solidFill>
-                  <a:srgbClr val="000000"/>
-                </a:solidFill>
                 <a:latin typeface="Arial"/>
               </a:rPr>
               <a:t>Sixth Outline Level</a:t>
             </a:r>
             <a:endParaRPr b="0" lang="pt-BR" sz="2000" spc="-1" strike="noStrike">
-              <a:solidFill>
-                <a:srgbClr val="000000"/>
-              </a:solidFill>
               <a:latin typeface="Arial"/>
             </a:endParaRPr>
           </a:p>
           <a:p>
             <a:pPr lvl="6" marL="3024000" indent="-216000">
-              <a:lnSpc>
-                <a:spcPct val="90000"/>
-              </a:lnSpc>
               <a:spcBef>
                 <a:spcPts val="283"/>
               </a:spcBef>
@@ -8686,17 +7624,11 @@
             </a:pPr>
             <a:r>
               <a:rPr b="0" lang="pt-BR" sz="2000" spc="-1" strike="noStrike">
-                <a:solidFill>
-                  <a:srgbClr val="000000"/>
-                </a:solidFill>
                 <a:latin typeface="Arial"/>
               </a:rPr>
               <a:t>Seventh Outline Level</a:t>
             </a:r>
             <a:endParaRPr b="0" lang="pt-BR" sz="2000" spc="-1" strike="noStrike">
-              <a:solidFill>
-                <a:srgbClr val="000000"/>
-              </a:solidFill>
               <a:latin typeface="Arial"/>
             </a:endParaRPr>
           </a:p>
@@ -8748,7 +7680,7 @@
         <p:spPr>
           <a:xfrm>
             <a:off x="360000" y="3330000"/>
-            <a:ext cx="9352080" cy="892080"/>
+            <a:ext cx="9351720" cy="891720"/>
           </a:xfrm>
           <a:prstGeom prst="rect">
             <a:avLst/>
@@ -8800,7 +7732,7 @@
         <p:spPr>
           <a:xfrm>
             <a:off x="540000" y="4660560"/>
-            <a:ext cx="9172080" cy="2512080"/>
+            <a:ext cx="9171720" cy="2511720"/>
           </a:xfrm>
           <a:prstGeom prst="rect">
             <a:avLst/>
@@ -8937,7 +7869,7 @@
         <p:spPr>
           <a:xfrm>
             <a:off x="360000" y="360000"/>
-            <a:ext cx="9352080" cy="892080"/>
+            <a:ext cx="9351720" cy="891720"/>
           </a:xfrm>
           <a:prstGeom prst="rect">
             <a:avLst/>
@@ -8963,7 +7895,7 @@
         <p:spPr>
           <a:xfrm>
             <a:off x="897120" y="6886080"/>
-            <a:ext cx="6439320" cy="357120"/>
+            <a:ext cx="6438960" cy="356760"/>
           </a:xfrm>
           <a:prstGeom prst="rect">
             <a:avLst/>
@@ -9014,8 +7946,8 @@
         </p:nvSpPr>
         <p:spPr>
           <a:xfrm flipH="1" rot="10800000">
-            <a:off x="17998560" y="11128680"/>
-            <a:ext cx="699480" cy="356040"/>
+            <a:off x="17998920" y="11129040"/>
+            <a:ext cx="699120" cy="355680"/>
           </a:xfrm>
           <a:prstGeom prst="bentUpArrow">
             <a:avLst>
@@ -9049,8 +7981,8 @@
         </p:nvSpPr>
         <p:spPr>
           <a:xfrm rot="10800000">
-            <a:off x="16093080" y="11128680"/>
-            <a:ext cx="735840" cy="356040"/>
+            <a:off x="16093440" y="11129040"/>
+            <a:ext cx="735480" cy="355680"/>
           </a:xfrm>
           <a:prstGeom prst="bentUpArrow">
             <a:avLst>
@@ -9085,7 +8017,7 @@
         <p:spPr>
           <a:xfrm>
             <a:off x="360000" y="1705680"/>
-            <a:ext cx="9172080" cy="4672080"/>
+            <a:ext cx="9171720" cy="4671720"/>
           </a:xfrm>
           <a:prstGeom prst="rect">
             <a:avLst/>
@@ -9111,7 +8043,7 @@
         <p:spPr>
           <a:xfrm>
             <a:off x="512280" y="512280"/>
-            <a:ext cx="9352080" cy="892080"/>
+            <a:ext cx="9351720" cy="891720"/>
           </a:xfrm>
           <a:prstGeom prst="rect">
             <a:avLst/>
@@ -9163,7 +8095,7 @@
         <p:spPr>
           <a:xfrm>
             <a:off x="512280" y="1857960"/>
-            <a:ext cx="9172080" cy="4672080"/>
+            <a:ext cx="9171720" cy="4671720"/>
           </a:xfrm>
           <a:prstGeom prst="rect">
             <a:avLst/>
@@ -9223,7 +8155,7 @@
         <p:spPr>
           <a:xfrm>
             <a:off x="6971760" y="4417920"/>
-            <a:ext cx="461160" cy="564480"/>
+            <a:ext cx="460800" cy="564120"/>
           </a:xfrm>
           <a:prstGeom prst="ellipse">
             <a:avLst/>
@@ -9267,7 +8199,7 @@
         <p:spPr>
           <a:xfrm>
             <a:off x="2325600" y="2767320"/>
-            <a:ext cx="5545440" cy="3610440"/>
+            <a:ext cx="5545080" cy="3610080"/>
           </a:xfrm>
           <a:prstGeom prst="rect">
             <a:avLst/>
@@ -9286,7 +8218,7 @@
         <p:spPr>
           <a:xfrm>
             <a:off x="7608600" y="6886080"/>
-            <a:ext cx="2277000" cy="356760"/>
+            <a:ext cx="2276640" cy="356400"/>
           </a:xfrm>
           <a:prstGeom prst="rect">
             <a:avLst/>
@@ -9368,7 +8300,7 @@
         <p:spPr>
           <a:xfrm>
             <a:off x="360000" y="360000"/>
-            <a:ext cx="9352080" cy="892080"/>
+            <a:ext cx="9351720" cy="891720"/>
           </a:xfrm>
           <a:prstGeom prst="rect">
             <a:avLst/>
@@ -9394,7 +8326,7 @@
         <p:spPr>
           <a:xfrm>
             <a:off x="897120" y="6886080"/>
-            <a:ext cx="6439320" cy="357120"/>
+            <a:ext cx="6438960" cy="356760"/>
           </a:xfrm>
           <a:prstGeom prst="rect">
             <a:avLst/>
@@ -9445,8 +8377,8 @@
         </p:nvSpPr>
         <p:spPr>
           <a:xfrm flipH="1" rot="10800000">
-            <a:off x="17998560" y="11128680"/>
-            <a:ext cx="699480" cy="356040"/>
+            <a:off x="17998920" y="11129040"/>
+            <a:ext cx="699120" cy="355680"/>
           </a:xfrm>
           <a:prstGeom prst="bentUpArrow">
             <a:avLst>
@@ -9480,8 +8412,8 @@
         </p:nvSpPr>
         <p:spPr>
           <a:xfrm rot="10800000">
-            <a:off x="16093080" y="11128680"/>
-            <a:ext cx="735840" cy="356040"/>
+            <a:off x="16093440" y="11129040"/>
+            <a:ext cx="735480" cy="355680"/>
           </a:xfrm>
           <a:prstGeom prst="bentUpArrow">
             <a:avLst>
@@ -9516,7 +8448,7 @@
         <p:spPr>
           <a:xfrm>
             <a:off x="360000" y="1705680"/>
-            <a:ext cx="9172080" cy="4672080"/>
+            <a:ext cx="9171720" cy="4671720"/>
           </a:xfrm>
           <a:prstGeom prst="rect">
             <a:avLst/>
@@ -9542,7 +8474,7 @@
         <p:spPr>
           <a:xfrm>
             <a:off x="512280" y="512280"/>
-            <a:ext cx="9352080" cy="892080"/>
+            <a:ext cx="9351720" cy="891720"/>
           </a:xfrm>
           <a:prstGeom prst="rect">
             <a:avLst/>
@@ -9594,7 +8526,7 @@
         <p:spPr>
           <a:xfrm>
             <a:off x="512280" y="1857960"/>
-            <a:ext cx="9172080" cy="4672080"/>
+            <a:ext cx="9171720" cy="4671720"/>
           </a:xfrm>
           <a:prstGeom prst="rect">
             <a:avLst/>
@@ -9782,20 +8714,6 @@
             </a:endParaRPr>
           </a:p>
           <a:p>
-            <a:pPr>
-              <a:lnSpc>
-                <a:spcPct val="100000"/>
-              </a:lnSpc>
-              <a:spcAft>
-                <a:spcPts val="1140"/>
-              </a:spcAft>
-              <a:buNone/>
-            </a:pPr>
-            <a:endParaRPr b="0" lang="pt-BR" sz="1800" spc="-1" strike="noStrike">
-              <a:latin typeface="Arial"/>
-            </a:endParaRPr>
-          </a:p>
-          <a:p>
             <a:pPr marL="7560">
               <a:lnSpc>
                 <a:spcPct val="100000"/>
@@ -9805,6 +8723,20 @@
               </a:spcAft>
               <a:buNone/>
             </a:pPr>
+            <a:endParaRPr b="0" lang="pt-BR" sz="1800" spc="-1" strike="noStrike">
+              <a:latin typeface="Arial"/>
+            </a:endParaRPr>
+          </a:p>
+          <a:p>
+            <a:pPr marL="7560">
+              <a:lnSpc>
+                <a:spcPct val="100000"/>
+              </a:lnSpc>
+              <a:spcAft>
+                <a:spcPts val="1140"/>
+              </a:spcAft>
+              <a:buNone/>
+            </a:pPr>
             <a:endParaRPr b="0" lang="pt-BR" sz="1600" spc="-1" strike="noStrike">
               <a:latin typeface="Arial"/>
             </a:endParaRPr>
@@ -9820,7 +8752,7 @@
         <p:spPr>
           <a:xfrm>
             <a:off x="7608600" y="6886080"/>
-            <a:ext cx="2277000" cy="356760"/>
+            <a:ext cx="2276640" cy="356400"/>
           </a:xfrm>
           <a:prstGeom prst="rect">
             <a:avLst/>
@@ -9902,7 +8834,7 @@
         <p:spPr>
           <a:xfrm>
             <a:off x="360000" y="360000"/>
-            <a:ext cx="9352080" cy="892080"/>
+            <a:ext cx="9351720" cy="891720"/>
           </a:xfrm>
           <a:prstGeom prst="rect">
             <a:avLst/>
@@ -9928,7 +8860,7 @@
         <p:spPr>
           <a:xfrm>
             <a:off x="897120" y="6886080"/>
-            <a:ext cx="6439320" cy="357120"/>
+            <a:ext cx="6438960" cy="356760"/>
           </a:xfrm>
           <a:prstGeom prst="rect">
             <a:avLst/>
@@ -9979,8 +8911,8 @@
         </p:nvSpPr>
         <p:spPr>
           <a:xfrm flipH="1" rot="10800000">
-            <a:off x="17998560" y="11128680"/>
-            <a:ext cx="699480" cy="356040"/>
+            <a:off x="17998920" y="11129040"/>
+            <a:ext cx="699120" cy="355680"/>
           </a:xfrm>
           <a:prstGeom prst="bentUpArrow">
             <a:avLst>
@@ -10014,8 +8946,8 @@
         </p:nvSpPr>
         <p:spPr>
           <a:xfrm rot="10800000">
-            <a:off x="16093080" y="11128680"/>
-            <a:ext cx="735840" cy="356040"/>
+            <a:off x="16093440" y="11129040"/>
+            <a:ext cx="735480" cy="355680"/>
           </a:xfrm>
           <a:prstGeom prst="bentUpArrow">
             <a:avLst>
@@ -10050,7 +8982,7 @@
         <p:spPr>
           <a:xfrm>
             <a:off x="360000" y="1705680"/>
-            <a:ext cx="9172080" cy="4672080"/>
+            <a:ext cx="9171720" cy="4671720"/>
           </a:xfrm>
           <a:prstGeom prst="rect">
             <a:avLst/>
@@ -10076,7 +9008,7 @@
         <p:spPr>
           <a:xfrm>
             <a:off x="512280" y="512280"/>
-            <a:ext cx="9352080" cy="892080"/>
+            <a:ext cx="9351720" cy="891720"/>
           </a:xfrm>
           <a:prstGeom prst="rect">
             <a:avLst/>
@@ -10138,7 +9070,7 @@
         <p:spPr>
           <a:xfrm>
             <a:off x="512280" y="1857960"/>
-            <a:ext cx="9172080" cy="4672080"/>
+            <a:ext cx="9171720" cy="4671720"/>
           </a:xfrm>
           <a:prstGeom prst="rect">
             <a:avLst/>
@@ -10307,7 +9239,7 @@
         <p:spPr>
           <a:xfrm>
             <a:off x="7608600" y="6886080"/>
-            <a:ext cx="2277000" cy="356760"/>
+            <a:ext cx="2276640" cy="356400"/>
           </a:xfrm>
           <a:prstGeom prst="rect">
             <a:avLst/>
@@ -10389,7 +9321,7 @@
         <p:spPr>
           <a:xfrm>
             <a:off x="360000" y="360000"/>
-            <a:ext cx="9352080" cy="892080"/>
+            <a:ext cx="9351720" cy="891720"/>
           </a:xfrm>
           <a:prstGeom prst="rect">
             <a:avLst/>
@@ -10415,7 +9347,7 @@
         <p:spPr>
           <a:xfrm>
             <a:off x="897120" y="6886080"/>
-            <a:ext cx="6439320" cy="357120"/>
+            <a:ext cx="6438960" cy="356760"/>
           </a:xfrm>
           <a:prstGeom prst="rect">
             <a:avLst/>
@@ -10466,8 +9398,8 @@
         </p:nvSpPr>
         <p:spPr>
           <a:xfrm flipH="1" rot="10800000">
-            <a:off x="17998560" y="11128680"/>
-            <a:ext cx="699480" cy="356040"/>
+            <a:off x="17998920" y="11129040"/>
+            <a:ext cx="699120" cy="355680"/>
           </a:xfrm>
           <a:prstGeom prst="bentUpArrow">
             <a:avLst>
@@ -10501,8 +9433,8 @@
         </p:nvSpPr>
         <p:spPr>
           <a:xfrm rot="10800000">
-            <a:off x="16093080" y="11128680"/>
-            <a:ext cx="735840" cy="356040"/>
+            <a:off x="16093440" y="11129040"/>
+            <a:ext cx="735480" cy="355680"/>
           </a:xfrm>
           <a:prstGeom prst="bentUpArrow">
             <a:avLst>
@@ -10537,7 +9469,7 @@
         <p:spPr>
           <a:xfrm>
             <a:off x="360000" y="1705680"/>
-            <a:ext cx="9172080" cy="4672080"/>
+            <a:ext cx="9171720" cy="4671720"/>
           </a:xfrm>
           <a:prstGeom prst="rect">
             <a:avLst/>
@@ -10563,7 +9495,7 @@
         <p:spPr>
           <a:xfrm>
             <a:off x="512280" y="512280"/>
-            <a:ext cx="9352080" cy="892080"/>
+            <a:ext cx="9351720" cy="891720"/>
           </a:xfrm>
           <a:prstGeom prst="rect">
             <a:avLst/>
@@ -10615,7 +9547,7 @@
         <p:spPr>
           <a:xfrm>
             <a:off x="512280" y="1857960"/>
-            <a:ext cx="9172080" cy="4672080"/>
+            <a:ext cx="9171720" cy="4671720"/>
           </a:xfrm>
           <a:prstGeom prst="rect">
             <a:avLst/>
@@ -10633,7 +9565,7 @@
         </p:style>
         <p:txBody>
           <a:bodyPr lIns="0" rIns="0" tIns="0" bIns="0" anchor="t">
-            <a:normAutofit/>
+            <a:normAutofit fontScale="95000"/>
           </a:bodyPr>
           <a:p>
             <a:pPr marL="350640" indent="-343080">
@@ -10701,17 +9633,7 @@
                 <a:latin typeface="Latin Modern Sans"/>
                 <a:ea typeface="DejaVu Sans"/>
               </a:rPr>
-              <a:t>São muito utilizadas em jogos, processamento de imagens, vídeos, modelagem física</a:t>
-            </a:r>
-            <a:r>
-              <a:rPr b="0" lang="pt-BR" sz="2400" spc="-1" strike="noStrike">
-                <a:solidFill>
-                  <a:srgbClr val="1c1c1c"/>
-                </a:solidFill>
-                <a:latin typeface="Latin Modern Sans"/>
-                <a:ea typeface="DejaVu Sans"/>
-              </a:rPr>
-              <a:t>, etc.</a:t>
+              <a:t>São muito utilizadas em jogos, processamento de imagens, vídeos, modelagem física, etc.</a:t>
             </a:r>
             <a:endParaRPr b="0" lang="pt-BR" sz="2400" spc="-1" strike="noStrike">
               <a:latin typeface="Arial"/>
@@ -10766,7 +9688,7 @@
                 <a:ea typeface="DejaVu Sans"/>
                 <a:hlinkClick r:id="rId1"/>
               </a:rPr>
-              <a:t>Lista 05 – Matrizes</a:t>
+              <a:t>[LINK] Exercícios Matrizes</a:t>
             </a:r>
             <a:endParaRPr b="0" lang="pt-BR" sz="2400" spc="-1" strike="noStrike">
               <a:latin typeface="Arial"/>
@@ -10787,19 +9709,28 @@
             </a:endParaRPr>
           </a:p>
           <a:p>
-            <a:pPr marL="293400" indent="-285840">
+            <a:pPr>
               <a:lnSpc>
                 <a:spcPct val="100000"/>
               </a:lnSpc>
               <a:spcAft>
                 <a:spcPts val="1140"/>
               </a:spcAft>
-              <a:buClr>
-                <a:srgbClr val="000000"/>
-              </a:buClr>
-              <a:buSzPct val="45000"/>
-              <a:buFont typeface="Wingdings" charset="2"/>
-              <a:buChar char=""/>
+              <a:buNone/>
+            </a:pPr>
+            <a:endParaRPr b="0" lang="pt-BR" sz="1600" spc="-1" strike="noStrike">
+              <a:latin typeface="Arial"/>
+            </a:endParaRPr>
+          </a:p>
+          <a:p>
+            <a:pPr>
+              <a:lnSpc>
+                <a:spcPct val="100000"/>
+              </a:lnSpc>
+              <a:spcAft>
+                <a:spcPts val="1140"/>
+              </a:spcAft>
+              <a:buNone/>
             </a:pPr>
             <a:r>
               <a:rPr b="0" lang="pt-BR" sz="2000" spc="-1" strike="noStrike">
@@ -10816,19 +9747,14 @@
             </a:endParaRPr>
           </a:p>
           <a:p>
-            <a:pPr lvl="1" marL="750600" indent="-285840">
+            <a:pPr>
               <a:lnSpc>
                 <a:spcPct val="100000"/>
               </a:lnSpc>
               <a:spcAft>
                 <a:spcPts val="1140"/>
               </a:spcAft>
-              <a:buClr>
-                <a:srgbClr val="000000"/>
-              </a:buClr>
-              <a:buSzPct val="45000"/>
-              <a:buFont typeface="Wingdings" charset="2"/>
-              <a:buChar char=""/>
+              <a:buNone/>
             </a:pPr>
             <a:r>
               <a:rPr b="0" lang="en-US" sz="2000" spc="-1" strike="noStrike" u="sng">
@@ -10871,19 +9797,14 @@
             </a:endParaRPr>
           </a:p>
           <a:p>
-            <a:pPr lvl="1" marL="750600" indent="-285840">
+            <a:pPr>
               <a:lnSpc>
                 <a:spcPct val="100000"/>
               </a:lnSpc>
               <a:spcAft>
                 <a:spcPts val="1140"/>
               </a:spcAft>
-              <a:buClr>
-                <a:srgbClr val="000000"/>
-              </a:buClr>
-              <a:buSzPct val="45000"/>
-              <a:buFont typeface="Wingdings" charset="2"/>
-              <a:buChar char=""/>
+              <a:buNone/>
             </a:pPr>
             <a:r>
               <a:rPr b="0" lang="en-US" sz="2000" spc="-1" strike="noStrike" u="sng">
@@ -10935,7 +9856,7 @@
               </a:spcAft>
               <a:buNone/>
             </a:pPr>
-            <a:endParaRPr b="0" lang="pt-BR" sz="1600" spc="-1" strike="noStrike">
+            <a:endParaRPr b="0" lang="pt-BR" sz="2400" spc="-1" strike="noStrike">
               <a:latin typeface="Arial"/>
             </a:endParaRPr>
           </a:p>
@@ -10950,7 +9871,7 @@
         <p:spPr>
           <a:xfrm>
             <a:off x="7608600" y="6886080"/>
-            <a:ext cx="2277000" cy="356760"/>
+            <a:ext cx="2276640" cy="356400"/>
           </a:xfrm>
           <a:prstGeom prst="rect">
             <a:avLst/>
@@ -11032,7 +9953,7 @@
         <p:spPr>
           <a:xfrm>
             <a:off x="360000" y="360000"/>
-            <a:ext cx="9351720" cy="891720"/>
+            <a:ext cx="9351360" cy="891360"/>
           </a:xfrm>
           <a:prstGeom prst="rect">
             <a:avLst/>
@@ -11084,7 +10005,7 @@
         <p:spPr>
           <a:xfrm>
             <a:off x="360000" y="1980000"/>
-            <a:ext cx="9171720" cy="4671720"/>
+            <a:ext cx="9171360" cy="4671360"/>
           </a:xfrm>
           <a:prstGeom prst="rect">
             <a:avLst/>
@@ -11216,7 +10137,7 @@
         <p:spPr>
           <a:xfrm>
             <a:off x="897120" y="6886080"/>
-            <a:ext cx="6438960" cy="356760"/>
+            <a:ext cx="6438600" cy="356400"/>
           </a:xfrm>
           <a:prstGeom prst="rect">
             <a:avLst/>
@@ -11268,7 +10189,7 @@
         <p:spPr>
           <a:xfrm>
             <a:off x="7608600" y="6886080"/>
-            <a:ext cx="2277000" cy="356760"/>
+            <a:ext cx="2276640" cy="356400"/>
           </a:xfrm>
           <a:prstGeom prst="rect">
             <a:avLst/>
@@ -11324,7 +10245,7 @@
         <p:spPr>
           <a:xfrm>
             <a:off x="2478240" y="3481200"/>
-            <a:ext cx="5267880" cy="1864800"/>
+            <a:ext cx="5267520" cy="1864440"/>
           </a:xfrm>
           <a:prstGeom prst="rect">
             <a:avLst/>
@@ -11343,7 +10264,7 @@
         <p:spPr>
           <a:xfrm>
             <a:off x="2443320" y="5050800"/>
-            <a:ext cx="312480" cy="298800"/>
+            <a:ext cx="312120" cy="298440"/>
           </a:xfrm>
           <a:prstGeom prst="ellipse">
             <a:avLst/>
@@ -11373,7 +10294,7 @@
         <p:spPr>
           <a:xfrm>
             <a:off x="2939040" y="5047560"/>
-            <a:ext cx="312480" cy="298800"/>
+            <a:ext cx="312120" cy="298440"/>
           </a:xfrm>
           <a:prstGeom prst="ellipse">
             <a:avLst/>
@@ -11403,7 +10324,7 @@
         <p:spPr>
           <a:xfrm>
             <a:off x="3371040" y="5047560"/>
-            <a:ext cx="312480" cy="298800"/>
+            <a:ext cx="312120" cy="298440"/>
           </a:xfrm>
           <a:prstGeom prst="ellipse">
             <a:avLst/>
@@ -11433,7 +10354,7 @@
         <p:spPr>
           <a:xfrm>
             <a:off x="3803040" y="5047560"/>
-            <a:ext cx="312480" cy="298800"/>
+            <a:ext cx="312120" cy="298440"/>
           </a:xfrm>
           <a:prstGeom prst="ellipse">
             <a:avLst/>
@@ -11463,7 +10384,7 @@
         <p:spPr>
           <a:xfrm>
             <a:off x="4271040" y="5047560"/>
-            <a:ext cx="312480" cy="298800"/>
+            <a:ext cx="312120" cy="298440"/>
           </a:xfrm>
           <a:prstGeom prst="ellipse">
             <a:avLst/>
@@ -11493,7 +10414,7 @@
         <p:spPr>
           <a:xfrm>
             <a:off x="4703040" y="5047560"/>
-            <a:ext cx="312480" cy="298800"/>
+            <a:ext cx="312120" cy="298440"/>
           </a:xfrm>
           <a:prstGeom prst="ellipse">
             <a:avLst/>
@@ -11523,7 +10444,7 @@
         <p:spPr>
           <a:xfrm>
             <a:off x="5135040" y="5047560"/>
-            <a:ext cx="312480" cy="298800"/>
+            <a:ext cx="312120" cy="298440"/>
           </a:xfrm>
           <a:prstGeom prst="ellipse">
             <a:avLst/>
@@ -11553,7 +10474,7 @@
         <p:spPr>
           <a:xfrm>
             <a:off x="5219280" y="5493600"/>
-            <a:ext cx="156240" cy="286560"/>
+            <a:ext cx="155880" cy="286200"/>
           </a:xfrm>
           <a:custGeom>
             <a:avLst/>
@@ -11642,7 +10563,7 @@
         <p:spPr>
           <a:xfrm>
             <a:off x="360000" y="360000"/>
-            <a:ext cx="9352080" cy="892080"/>
+            <a:ext cx="9351720" cy="891720"/>
           </a:xfrm>
           <a:prstGeom prst="rect">
             <a:avLst/>
@@ -11694,7 +10615,7 @@
         <p:spPr>
           <a:xfrm>
             <a:off x="897120" y="6886080"/>
-            <a:ext cx="6439320" cy="357120"/>
+            <a:ext cx="6438960" cy="356760"/>
           </a:xfrm>
           <a:prstGeom prst="rect">
             <a:avLst/>
@@ -11745,8 +10666,8 @@
         </p:nvSpPr>
         <p:spPr>
           <a:xfrm flipH="1" rot="10800000">
-            <a:off x="17998560" y="11128680"/>
-            <a:ext cx="699480" cy="356040"/>
+            <a:off x="17998920" y="11129040"/>
+            <a:ext cx="699120" cy="355680"/>
           </a:xfrm>
           <a:prstGeom prst="bentUpArrow">
             <a:avLst>
@@ -11780,8 +10701,8 @@
         </p:nvSpPr>
         <p:spPr>
           <a:xfrm rot="10800000">
-            <a:off x="16093080" y="11128680"/>
-            <a:ext cx="735840" cy="356040"/>
+            <a:off x="16093440" y="11129040"/>
+            <a:ext cx="735480" cy="355680"/>
           </a:xfrm>
           <a:prstGeom prst="bentUpArrow">
             <a:avLst>
@@ -11816,7 +10737,7 @@
         <p:spPr>
           <a:xfrm>
             <a:off x="360000" y="1705680"/>
-            <a:ext cx="9172080" cy="4672080"/>
+            <a:ext cx="9171720" cy="4671720"/>
           </a:xfrm>
           <a:prstGeom prst="rect">
             <a:avLst/>
@@ -11922,7 +10843,7 @@
         <p:spPr>
           <a:xfrm>
             <a:off x="1668600" y="3160800"/>
-            <a:ext cx="6734880" cy="1904760"/>
+            <a:ext cx="6734520" cy="1904400"/>
           </a:xfrm>
           <a:prstGeom prst="rect">
             <a:avLst/>
@@ -11941,7 +10862,7 @@
         <p:spPr>
           <a:xfrm>
             <a:off x="7608600" y="6886080"/>
-            <a:ext cx="2277000" cy="356760"/>
+            <a:ext cx="2276640" cy="356400"/>
           </a:xfrm>
           <a:prstGeom prst="rect">
             <a:avLst/>
@@ -12023,7 +10944,7 @@
         <p:spPr>
           <a:xfrm>
             <a:off x="360000" y="360000"/>
-            <a:ext cx="9352080" cy="892080"/>
+            <a:ext cx="9351720" cy="891720"/>
           </a:xfrm>
           <a:prstGeom prst="rect">
             <a:avLst/>
@@ -12075,7 +10996,7 @@
         <p:spPr>
           <a:xfrm>
             <a:off x="897120" y="6886080"/>
-            <a:ext cx="6439320" cy="357120"/>
+            <a:ext cx="6438960" cy="356760"/>
           </a:xfrm>
           <a:prstGeom prst="rect">
             <a:avLst/>
@@ -12126,8 +11047,8 @@
         </p:nvSpPr>
         <p:spPr>
           <a:xfrm flipH="1" rot="10800000">
-            <a:off x="17998560" y="11128680"/>
-            <a:ext cx="699480" cy="356040"/>
+            <a:off x="17998920" y="11129040"/>
+            <a:ext cx="699120" cy="355680"/>
           </a:xfrm>
           <a:prstGeom prst="bentUpArrow">
             <a:avLst>
@@ -12161,8 +11082,8 @@
         </p:nvSpPr>
         <p:spPr>
           <a:xfrm rot="10800000">
-            <a:off x="16093080" y="11128680"/>
-            <a:ext cx="735840" cy="356040"/>
+            <a:off x="16093440" y="11129040"/>
+            <a:ext cx="735480" cy="355680"/>
           </a:xfrm>
           <a:prstGeom prst="bentUpArrow">
             <a:avLst>
@@ -12197,7 +11118,7 @@
         <p:spPr>
           <a:xfrm>
             <a:off x="360000" y="1705680"/>
-            <a:ext cx="9172080" cy="4672080"/>
+            <a:ext cx="9171720" cy="4671720"/>
           </a:xfrm>
           <a:prstGeom prst="rect">
             <a:avLst/>
@@ -12303,7 +11224,7 @@
         <p:spPr>
           <a:xfrm>
             <a:off x="3559680" y="2837520"/>
-            <a:ext cx="2952360" cy="2904840"/>
+            <a:ext cx="2952000" cy="2904480"/>
           </a:xfrm>
           <a:prstGeom prst="rect">
             <a:avLst/>
@@ -12322,7 +11243,7 @@
         <p:spPr>
           <a:xfrm>
             <a:off x="7608600" y="6886080"/>
-            <a:ext cx="2277000" cy="356760"/>
+            <a:ext cx="2276640" cy="356400"/>
           </a:xfrm>
           <a:prstGeom prst="rect">
             <a:avLst/>
@@ -12404,7 +11325,7 @@
         <p:spPr>
           <a:xfrm>
             <a:off x="360000" y="360000"/>
-            <a:ext cx="9352080" cy="892080"/>
+            <a:ext cx="9351720" cy="891720"/>
           </a:xfrm>
           <a:prstGeom prst="rect">
             <a:avLst/>
@@ -12430,7 +11351,7 @@
         <p:spPr>
           <a:xfrm>
             <a:off x="897120" y="6886080"/>
-            <a:ext cx="6439320" cy="357120"/>
+            <a:ext cx="6438960" cy="356760"/>
           </a:xfrm>
           <a:prstGeom prst="rect">
             <a:avLst/>
@@ -12481,8 +11402,8 @@
         </p:nvSpPr>
         <p:spPr>
           <a:xfrm flipH="1" rot="10800000">
-            <a:off x="17998560" y="11128680"/>
-            <a:ext cx="699480" cy="356040"/>
+            <a:off x="17998920" y="11129040"/>
+            <a:ext cx="699120" cy="355680"/>
           </a:xfrm>
           <a:prstGeom prst="bentUpArrow">
             <a:avLst>
@@ -12516,8 +11437,8 @@
         </p:nvSpPr>
         <p:spPr>
           <a:xfrm rot="10800000">
-            <a:off x="16093080" y="11128680"/>
-            <a:ext cx="735840" cy="356040"/>
+            <a:off x="16093440" y="11129040"/>
+            <a:ext cx="735480" cy="355680"/>
           </a:xfrm>
           <a:prstGeom prst="bentUpArrow">
             <a:avLst>
@@ -12552,7 +11473,7 @@
         <p:spPr>
           <a:xfrm>
             <a:off x="360000" y="1705680"/>
-            <a:ext cx="12135960" cy="6464880"/>
+            <a:ext cx="12135600" cy="6464520"/>
           </a:xfrm>
           <a:prstGeom prst="rect">
             <a:avLst/>
@@ -12616,20 +11537,6 @@
             </a:endParaRPr>
           </a:p>
           <a:p>
-            <a:pPr>
-              <a:lnSpc>
-                <a:spcPct val="100000"/>
-              </a:lnSpc>
-              <a:spcAft>
-                <a:spcPts val="1140"/>
-              </a:spcAft>
-              <a:buNone/>
-            </a:pPr>
-            <a:endParaRPr b="0" lang="pt-BR" sz="1800" spc="-1" strike="noStrike">
-              <a:latin typeface="Arial"/>
-            </a:endParaRPr>
-          </a:p>
-          <a:p>
             <a:pPr marL="7560">
               <a:lnSpc>
                 <a:spcPct val="100000"/>
@@ -12639,6 +11546,20 @@
               </a:spcAft>
               <a:buNone/>
             </a:pPr>
+            <a:endParaRPr b="0" lang="pt-BR" sz="1800" spc="-1" strike="noStrike">
+              <a:latin typeface="Arial"/>
+            </a:endParaRPr>
+          </a:p>
+          <a:p>
+            <a:pPr marL="7560">
+              <a:lnSpc>
+                <a:spcPct val="100000"/>
+              </a:lnSpc>
+              <a:spcAft>
+                <a:spcPts val="1140"/>
+              </a:spcAft>
+              <a:buNone/>
+            </a:pPr>
             <a:endParaRPr b="0" lang="pt-BR" sz="1600" spc="-1" strike="noStrike">
               <a:latin typeface="Arial"/>
             </a:endParaRPr>
@@ -12654,7 +11575,7 @@
         <p:spPr>
           <a:xfrm>
             <a:off x="512280" y="512280"/>
-            <a:ext cx="9352080" cy="892080"/>
+            <a:ext cx="9351720" cy="891720"/>
           </a:xfrm>
           <a:prstGeom prst="rect">
             <a:avLst/>
@@ -12711,7 +11632,7 @@
         <p:spPr>
           <a:xfrm>
             <a:off x="2580120" y="2838960"/>
-            <a:ext cx="4543560" cy="3896280"/>
+            <a:ext cx="4543200" cy="3895920"/>
           </a:xfrm>
           <a:prstGeom prst="rect">
             <a:avLst/>
@@ -12730,7 +11651,7 @@
         <p:spPr>
           <a:xfrm>
             <a:off x="7608600" y="6886080"/>
-            <a:ext cx="2277000" cy="356760"/>
+            <a:ext cx="2276640" cy="356400"/>
           </a:xfrm>
           <a:prstGeom prst="rect">
             <a:avLst/>
@@ -12812,7 +11733,7 @@
         <p:spPr>
           <a:xfrm>
             <a:off x="360000" y="360000"/>
-            <a:ext cx="9352080" cy="892080"/>
+            <a:ext cx="9351720" cy="891720"/>
           </a:xfrm>
           <a:prstGeom prst="rect">
             <a:avLst/>
@@ -12838,7 +11759,7 @@
         <p:spPr>
           <a:xfrm>
             <a:off x="897120" y="6886080"/>
-            <a:ext cx="6439320" cy="357120"/>
+            <a:ext cx="6438960" cy="356760"/>
           </a:xfrm>
           <a:prstGeom prst="rect">
             <a:avLst/>
@@ -12889,8 +11810,8 @@
         </p:nvSpPr>
         <p:spPr>
           <a:xfrm flipH="1" rot="10800000">
-            <a:off x="17998560" y="11128680"/>
-            <a:ext cx="699480" cy="356040"/>
+            <a:off x="17998920" y="11129040"/>
+            <a:ext cx="699120" cy="355680"/>
           </a:xfrm>
           <a:prstGeom prst="bentUpArrow">
             <a:avLst>
@@ -12924,8 +11845,8 @@
         </p:nvSpPr>
         <p:spPr>
           <a:xfrm rot="10800000">
-            <a:off x="16093080" y="11128680"/>
-            <a:ext cx="735840" cy="356040"/>
+            <a:off x="16093440" y="11129040"/>
+            <a:ext cx="735480" cy="355680"/>
           </a:xfrm>
           <a:prstGeom prst="bentUpArrow">
             <a:avLst>
@@ -12960,7 +11881,7 @@
         <p:spPr>
           <a:xfrm>
             <a:off x="360000" y="1705680"/>
-            <a:ext cx="9172080" cy="4672080"/>
+            <a:ext cx="9171720" cy="4671720"/>
           </a:xfrm>
           <a:prstGeom prst="rect">
             <a:avLst/>
@@ -13091,7 +12012,7 @@
         <p:spPr>
           <a:xfrm>
             <a:off x="512280" y="512280"/>
-            <a:ext cx="9352080" cy="892080"/>
+            <a:ext cx="9351720" cy="891720"/>
           </a:xfrm>
           <a:prstGeom prst="rect">
             <a:avLst/>
@@ -13147,7 +12068,7 @@
         <p:spPr>
           <a:xfrm>
             <a:off x="2675520" y="3144600"/>
-            <a:ext cx="4192920" cy="2709000"/>
+            <a:ext cx="4192560" cy="2708640"/>
           </a:xfrm>
           <a:prstGeom prst="rect">
             <a:avLst/>
@@ -13170,7 +12091,7 @@
         <p:spPr>
           <a:xfrm>
             <a:off x="1850040" y="3144600"/>
-            <a:ext cx="1238040" cy="843840"/>
+            <a:ext cx="1237680" cy="843480"/>
           </a:xfrm>
           <a:prstGeom prst="rect">
             <a:avLst/>
@@ -13188,8 +12109,8 @@
         </p:nvSpPr>
         <p:spPr>
           <a:xfrm flipV="1">
-            <a:off x="3088440" y="3466080"/>
-            <a:ext cx="568800" cy="100080"/>
+            <a:off x="3088440" y="3465360"/>
+            <a:ext cx="568440" cy="99720"/>
           </a:xfrm>
           <a:prstGeom prst="curvedConnector3">
             <a:avLst>
@@ -13226,7 +12147,7 @@
         <p:spPr>
           <a:xfrm>
             <a:off x="3088440" y="3566520"/>
-            <a:ext cx="122400" cy="399960"/>
+            <a:ext cx="122040" cy="399600"/>
           </a:xfrm>
           <a:prstGeom prst="curvedConnector2">
             <a:avLst/>
@@ -13261,7 +12182,7 @@
         <p:spPr>
           <a:xfrm>
             <a:off x="7608600" y="6886080"/>
-            <a:ext cx="2277000" cy="356760"/>
+            <a:ext cx="2276640" cy="356400"/>
           </a:xfrm>
           <a:prstGeom prst="rect">
             <a:avLst/>
@@ -13343,7 +12264,7 @@
         <p:spPr>
           <a:xfrm>
             <a:off x="360000" y="360000"/>
-            <a:ext cx="9352080" cy="892080"/>
+            <a:ext cx="9351720" cy="891720"/>
           </a:xfrm>
           <a:prstGeom prst="rect">
             <a:avLst/>
@@ -13369,7 +12290,7 @@
         <p:spPr>
           <a:xfrm>
             <a:off x="897120" y="6886080"/>
-            <a:ext cx="6439320" cy="357120"/>
+            <a:ext cx="6438960" cy="356760"/>
           </a:xfrm>
           <a:prstGeom prst="rect">
             <a:avLst/>
@@ -13420,8 +12341,8 @@
         </p:nvSpPr>
         <p:spPr>
           <a:xfrm flipH="1" rot="10800000">
-            <a:off x="17998560" y="11128680"/>
-            <a:ext cx="699480" cy="356040"/>
+            <a:off x="17998920" y="11129040"/>
+            <a:ext cx="699120" cy="355680"/>
           </a:xfrm>
           <a:prstGeom prst="bentUpArrow">
             <a:avLst>
@@ -13455,8 +12376,8 @@
         </p:nvSpPr>
         <p:spPr>
           <a:xfrm rot="10800000">
-            <a:off x="16093080" y="11128680"/>
-            <a:ext cx="735840" cy="356040"/>
+            <a:off x="16093440" y="11129040"/>
+            <a:ext cx="735480" cy="355680"/>
           </a:xfrm>
           <a:prstGeom prst="bentUpArrow">
             <a:avLst>
@@ -13491,7 +12412,7 @@
         <p:spPr>
           <a:xfrm>
             <a:off x="360000" y="1705680"/>
-            <a:ext cx="9172080" cy="4672080"/>
+            <a:ext cx="9171720" cy="4671720"/>
           </a:xfrm>
           <a:prstGeom prst="rect">
             <a:avLst/>
@@ -13517,7 +12438,7 @@
         <p:spPr>
           <a:xfrm>
             <a:off x="512280" y="512280"/>
-            <a:ext cx="9352080" cy="892080"/>
+            <a:ext cx="9351720" cy="891720"/>
           </a:xfrm>
           <a:prstGeom prst="rect">
             <a:avLst/>
@@ -13573,7 +12494,7 @@
         <p:spPr>
           <a:xfrm>
             <a:off x="5735160" y="2972160"/>
-            <a:ext cx="3160080" cy="2041920"/>
+            <a:ext cx="3159720" cy="2041560"/>
           </a:xfrm>
           <a:prstGeom prst="rect">
             <a:avLst/>
@@ -13596,7 +12517,7 @@
         <p:spPr>
           <a:xfrm>
             <a:off x="395640" y="2665440"/>
-            <a:ext cx="3747600" cy="2654640"/>
+            <a:ext cx="3747240" cy="2654280"/>
           </a:xfrm>
           <a:prstGeom prst="rect">
             <a:avLst/>
@@ -13615,7 +12536,7 @@
         <p:spPr>
           <a:xfrm>
             <a:off x="4271760" y="3976200"/>
-            <a:ext cx="1446120" cy="404280"/>
+            <a:ext cx="1445760" cy="403920"/>
           </a:xfrm>
           <a:prstGeom prst="rightArrow">
             <a:avLst>
@@ -13656,7 +12577,7 @@
         <p:spPr>
           <a:xfrm>
             <a:off x="512280" y="1857960"/>
-            <a:ext cx="9172080" cy="4672080"/>
+            <a:ext cx="9171720" cy="4671720"/>
           </a:xfrm>
           <a:prstGeom prst="rect">
             <a:avLst/>
@@ -13720,7 +12641,7 @@
             </a:endParaRPr>
           </a:p>
           <a:p>
-            <a:pPr>
+            <a:pPr marL="7560">
               <a:lnSpc>
                 <a:spcPct val="100000"/>
               </a:lnSpc>
@@ -13762,7 +12683,7 @@
         <p:spPr>
           <a:xfrm>
             <a:off x="395640" y="5893200"/>
-            <a:ext cx="6467400" cy="386640"/>
+            <a:ext cx="6467040" cy="386280"/>
           </a:xfrm>
           <a:prstGeom prst="rect">
             <a:avLst/>
@@ -13781,7 +12702,7 @@
         <p:spPr>
           <a:xfrm>
             <a:off x="2341080" y="5400720"/>
-            <a:ext cx="254880" cy="452880"/>
+            <a:ext cx="254520" cy="452520"/>
           </a:xfrm>
           <a:prstGeom prst="downArrow">
             <a:avLst>
@@ -13822,7 +12743,7 @@
         <p:spPr>
           <a:xfrm>
             <a:off x="7608600" y="6886080"/>
-            <a:ext cx="2277000" cy="356760"/>
+            <a:ext cx="2276640" cy="356400"/>
           </a:xfrm>
           <a:prstGeom prst="rect">
             <a:avLst/>
@@ -13904,7 +12825,7 @@
         <p:spPr>
           <a:xfrm>
             <a:off x="360000" y="360000"/>
-            <a:ext cx="9352080" cy="892080"/>
+            <a:ext cx="9351720" cy="891720"/>
           </a:xfrm>
           <a:prstGeom prst="rect">
             <a:avLst/>
@@ -13930,7 +12851,7 @@
         <p:spPr>
           <a:xfrm>
             <a:off x="897120" y="6886080"/>
-            <a:ext cx="6439320" cy="357120"/>
+            <a:ext cx="6438960" cy="356760"/>
           </a:xfrm>
           <a:prstGeom prst="rect">
             <a:avLst/>
@@ -13981,8 +12902,8 @@
         </p:nvSpPr>
         <p:spPr>
           <a:xfrm flipH="1" rot="10800000">
-            <a:off x="17998560" y="11128680"/>
-            <a:ext cx="699480" cy="356040"/>
+            <a:off x="17998920" y="11129040"/>
+            <a:ext cx="699120" cy="355680"/>
           </a:xfrm>
           <a:prstGeom prst="bentUpArrow">
             <a:avLst>
@@ -14016,8 +12937,8 @@
         </p:nvSpPr>
         <p:spPr>
           <a:xfrm rot="10800000">
-            <a:off x="16093080" y="11128680"/>
-            <a:ext cx="735840" cy="356040"/>
+            <a:off x="16093440" y="11129040"/>
+            <a:ext cx="735480" cy="355680"/>
           </a:xfrm>
           <a:prstGeom prst="bentUpArrow">
             <a:avLst>
@@ -14052,7 +12973,7 @@
         <p:spPr>
           <a:xfrm>
             <a:off x="360000" y="1705680"/>
-            <a:ext cx="9172080" cy="4672080"/>
+            <a:ext cx="9171720" cy="4671720"/>
           </a:xfrm>
           <a:prstGeom prst="rect">
             <a:avLst/>
@@ -14078,7 +12999,7 @@
         <p:spPr>
           <a:xfrm>
             <a:off x="512280" y="512280"/>
-            <a:ext cx="9352080" cy="892080"/>
+            <a:ext cx="9351720" cy="891720"/>
           </a:xfrm>
           <a:prstGeom prst="rect">
             <a:avLst/>
@@ -14130,7 +13051,7 @@
         <p:spPr>
           <a:xfrm>
             <a:off x="4637160" y="4082760"/>
-            <a:ext cx="957960" cy="390960"/>
+            <a:ext cx="957600" cy="390600"/>
           </a:xfrm>
           <a:prstGeom prst="rightArrow">
             <a:avLst>
@@ -14171,7 +13092,7 @@
         <p:spPr>
           <a:xfrm>
             <a:off x="512280" y="1857960"/>
-            <a:ext cx="9172080" cy="4672080"/>
+            <a:ext cx="9171720" cy="4671720"/>
           </a:xfrm>
           <a:prstGeom prst="rect">
             <a:avLst/>
@@ -14235,7 +13156,7 @@
             </a:endParaRPr>
           </a:p>
           <a:p>
-            <a:pPr>
+            <a:pPr marL="7560">
               <a:lnSpc>
                 <a:spcPct val="100000"/>
               </a:lnSpc>
@@ -14277,7 +13198,7 @@
         <p:spPr>
           <a:xfrm>
             <a:off x="5735160" y="2972160"/>
-            <a:ext cx="3160080" cy="2041920"/>
+            <a:ext cx="3159720" cy="2041560"/>
           </a:xfrm>
           <a:prstGeom prst="rect">
             <a:avLst/>
@@ -14296,7 +13217,7 @@
         <p:spPr>
           <a:xfrm>
             <a:off x="6971760" y="4417920"/>
-            <a:ext cx="461160" cy="564480"/>
+            <a:ext cx="460800" cy="564120"/>
           </a:xfrm>
           <a:prstGeom prst="ellipse">
             <a:avLst/>
@@ -14340,7 +13261,7 @@
         <p:spPr>
           <a:xfrm>
             <a:off x="605520" y="3988080"/>
-            <a:ext cx="3667320" cy="580680"/>
+            <a:ext cx="3666960" cy="580320"/>
           </a:xfrm>
           <a:prstGeom prst="rect">
             <a:avLst/>
@@ -14359,7 +13280,7 @@
         <p:spPr>
           <a:xfrm>
             <a:off x="7608600" y="6886080"/>
-            <a:ext cx="2277000" cy="356760"/>
+            <a:ext cx="2276640" cy="356400"/>
           </a:xfrm>
           <a:prstGeom prst="rect">
             <a:avLst/>
@@ -14441,7 +13362,7 @@
         <p:spPr>
           <a:xfrm>
             <a:off x="360000" y="360000"/>
-            <a:ext cx="9352080" cy="892080"/>
+            <a:ext cx="9351720" cy="891720"/>
           </a:xfrm>
           <a:prstGeom prst="rect">
             <a:avLst/>
@@ -14467,7 +13388,7 @@
         <p:spPr>
           <a:xfrm>
             <a:off x="897120" y="6886080"/>
-            <a:ext cx="6439320" cy="357120"/>
+            <a:ext cx="6438960" cy="356760"/>
           </a:xfrm>
           <a:prstGeom prst="rect">
             <a:avLst/>
@@ -14518,8 +13439,8 @@
         </p:nvSpPr>
         <p:spPr>
           <a:xfrm flipH="1" rot="10800000">
-            <a:off x="17998560" y="11128680"/>
-            <a:ext cx="699480" cy="356040"/>
+            <a:off x="17998920" y="11129040"/>
+            <a:ext cx="699120" cy="355680"/>
           </a:xfrm>
           <a:prstGeom prst="bentUpArrow">
             <a:avLst>
@@ -14553,8 +13474,8 @@
         </p:nvSpPr>
         <p:spPr>
           <a:xfrm rot="10800000">
-            <a:off x="16093080" y="11128680"/>
-            <a:ext cx="735840" cy="356040"/>
+            <a:off x="16093440" y="11129040"/>
+            <a:ext cx="735480" cy="355680"/>
           </a:xfrm>
           <a:prstGeom prst="bentUpArrow">
             <a:avLst>
@@ -14589,7 +13510,7 @@
         <p:spPr>
           <a:xfrm>
             <a:off x="360000" y="1705680"/>
-            <a:ext cx="9172080" cy="4672080"/>
+            <a:ext cx="9171720" cy="4671720"/>
           </a:xfrm>
           <a:prstGeom prst="rect">
             <a:avLst/>
@@ -14615,7 +13536,7 @@
         <p:spPr>
           <a:xfrm>
             <a:off x="512280" y="512280"/>
-            <a:ext cx="9352080" cy="892080"/>
+            <a:ext cx="9351720" cy="891720"/>
           </a:xfrm>
           <a:prstGeom prst="rect">
             <a:avLst/>
@@ -14667,7 +13588,7 @@
         <p:spPr>
           <a:xfrm>
             <a:off x="512280" y="1857960"/>
-            <a:ext cx="9172080" cy="4672080"/>
+            <a:ext cx="9171720" cy="4671720"/>
           </a:xfrm>
           <a:prstGeom prst="rect">
             <a:avLst/>
@@ -14789,7 +13710,7 @@
             </a:endParaRPr>
           </a:p>
           <a:p>
-            <a:pPr>
+            <a:pPr marL="7560">
               <a:lnSpc>
                 <a:spcPct val="100000"/>
               </a:lnSpc>
@@ -14831,7 +13752,7 @@
         <p:spPr>
           <a:xfrm>
             <a:off x="1254600" y="3780000"/>
-            <a:ext cx="7349400" cy="1281240"/>
+            <a:ext cx="7349040" cy="1280880"/>
           </a:xfrm>
           <a:prstGeom prst="rect">
             <a:avLst/>
@@ -14850,7 +13771,7 @@
         <p:spPr>
           <a:xfrm>
             <a:off x="7608600" y="6886080"/>
-            <a:ext cx="2277000" cy="356760"/>
+            <a:ext cx="2276640" cy="356400"/>
           </a:xfrm>
           <a:prstGeom prst="rect">
             <a:avLst/>
